--- a/Sem-5/ML/POLYNOMIAL LINEAR REGRESSION - 1.pptx
+++ b/Sem-5/ML/POLYNOMIAL LINEAR REGRESSION - 1.pptx
@@ -1,32 +1,32 @@
 
 <file path=ppt/presentation.xml><?xml version="1.0" encoding="utf-8"?>
-<p:presentation xmlns:a="http://schemas.openxmlformats.org/drawingml/2006/main" xmlns:r="http://schemas.openxmlformats.org/officeDocument/2006/relationships" xmlns:p="http://schemas.openxmlformats.org/presentationml/2006/main" saveSubsetFonts="1">
+<p:presentation xmlns:a="http://schemas.openxmlformats.org/drawingml/2006/main" xmlns:r="http://schemas.openxmlformats.org/officeDocument/2006/relationships" xmlns:p="http://schemas.openxmlformats.org/presentationml/2006/main">
   <p:sldMasterIdLst>
     <p:sldMasterId id="2147483648" r:id="rId1"/>
   </p:sldMasterIdLst>
   <p:sldIdLst>
-    <p:sldId id="256" r:id="rId2"/>
-    <p:sldId id="257" r:id="rId3"/>
-    <p:sldId id="258" r:id="rId4"/>
-    <p:sldId id="259" r:id="rId5"/>
-    <p:sldId id="260" r:id="rId6"/>
-    <p:sldId id="261" r:id="rId7"/>
-    <p:sldId id="262" r:id="rId8"/>
-    <p:sldId id="263" r:id="rId9"/>
-    <p:sldId id="264" r:id="rId10"/>
-    <p:sldId id="265" r:id="rId11"/>
-    <p:sldId id="266" r:id="rId12"/>
-    <p:sldId id="267" r:id="rId13"/>
-    <p:sldId id="268" r:id="rId14"/>
-    <p:sldId id="269" r:id="rId15"/>
-    <p:sldId id="270" r:id="rId16"/>
-    <p:sldId id="271" r:id="rId17"/>
-    <p:sldId id="272" r:id="rId18"/>
-    <p:sldId id="273" r:id="rId19"/>
-    <p:sldId id="274" r:id="rId20"/>
-    <p:sldId id="275" r:id="rId21"/>
-    <p:sldId id="276" r:id="rId22"/>
-    <p:sldId id="277" r:id="rId23"/>
+    <p:sldId id="256" r:id="rId3"/>
+    <p:sldId id="257" r:id="rId4"/>
+    <p:sldId id="258" r:id="rId5"/>
+    <p:sldId id="259" r:id="rId6"/>
+    <p:sldId id="260" r:id="rId7"/>
+    <p:sldId id="261" r:id="rId8"/>
+    <p:sldId id="262" r:id="rId9"/>
+    <p:sldId id="263" r:id="rId10"/>
+    <p:sldId id="264" r:id="rId11"/>
+    <p:sldId id="265" r:id="rId12"/>
+    <p:sldId id="266" r:id="rId13"/>
+    <p:sldId id="267" r:id="rId14"/>
+    <p:sldId id="268" r:id="rId15"/>
+    <p:sldId id="269" r:id="rId16"/>
+    <p:sldId id="270" r:id="rId17"/>
+    <p:sldId id="271" r:id="rId18"/>
+    <p:sldId id="272" r:id="rId19"/>
+    <p:sldId id="273" r:id="rId20"/>
+    <p:sldId id="274" r:id="rId21"/>
+    <p:sldId id="275" r:id="rId22"/>
+    <p:sldId id="276" r:id="rId23"/>
+    <p:sldId id="277" r:id="rId24"/>
   </p:sldIdLst>
   <p:sldSz cx="12192000" cy="6858000"/>
   <p:notesSz cx="6858000" cy="9144000"/>
@@ -125,11 +125,6 @@
       </a:defRPr>
     </a:lvl9pPr>
   </p:defaultTextStyle>
-  <p:extLst>
-    <p:ext uri="{EFAFB233-063F-42B5-8137-9DF3F51BA10A}">
-      <p15:sldGuideLst xmlns:p15="http://schemas.microsoft.com/office/powerpoint/2012/main"/>
-    </p:ext>
-  </p:extLst>
 </p:presentation>
 </file>
 
@@ -264,7 +259,6 @@
           <a:p>
             <a:fld id="{650FB50C-1933-4E16-8100-74B85EF9E195}" type="datetimeFigureOut">
               <a:rPr lang="en-IN" smtClean="0"/>
-              <a:t>03-09-2025</a:t>
             </a:fld>
             <a:endParaRPr lang="en-IN"/>
           </a:p>
@@ -306,18 +300,12 @@
           <a:p>
             <a:fld id="{ABBB04A1-C3FB-45F1-AE9B-9BC9124315DB}" type="slidenum">
               <a:rPr lang="en-IN" smtClean="0"/>
-              <a:t>‹#›</a:t>
             </a:fld>
             <a:endParaRPr lang="en-IN"/>
           </a:p>
         </p:txBody>
       </p:sp>
     </p:spTree>
-    <p:extLst>
-      <p:ext uri="{BB962C8B-B14F-4D97-AF65-F5344CB8AC3E}">
-        <p14:creationId xmlns:p14="http://schemas.microsoft.com/office/powerpoint/2010/main" val="2803605705"/>
-      </p:ext>
-    </p:extLst>
   </p:cSld>
   <p:clrMapOvr>
     <a:masterClrMapping/>
@@ -385,6 +373,7 @@
               <a:rPr lang="en-US" smtClean="0"/>
               <a:t>Click to edit Master text styles</a:t>
             </a:r>
+            <a:endParaRPr lang="en-US" smtClean="0"/>
           </a:p>
           <a:p>
             <a:pPr lvl="1"/>
@@ -392,6 +381,7 @@
               <a:rPr lang="en-US" smtClean="0"/>
               <a:t>Second level</a:t>
             </a:r>
+            <a:endParaRPr lang="en-US" smtClean="0"/>
           </a:p>
           <a:p>
             <a:pPr lvl="2"/>
@@ -399,6 +389,7 @@
               <a:rPr lang="en-US" smtClean="0"/>
               <a:t>Third level</a:t>
             </a:r>
+            <a:endParaRPr lang="en-US" smtClean="0"/>
           </a:p>
           <a:p>
             <a:pPr lvl="3"/>
@@ -406,6 +397,7 @@
               <a:rPr lang="en-US" smtClean="0"/>
               <a:t>Fourth level</a:t>
             </a:r>
+            <a:endParaRPr lang="en-US" smtClean="0"/>
           </a:p>
           <a:p>
             <a:pPr lvl="4"/>
@@ -434,7 +426,6 @@
           <a:p>
             <a:fld id="{650FB50C-1933-4E16-8100-74B85EF9E195}" type="datetimeFigureOut">
               <a:rPr lang="en-IN" smtClean="0"/>
-              <a:t>03-09-2025</a:t>
             </a:fld>
             <a:endParaRPr lang="en-IN"/>
           </a:p>
@@ -476,18 +467,12 @@
           <a:p>
             <a:fld id="{ABBB04A1-C3FB-45F1-AE9B-9BC9124315DB}" type="slidenum">
               <a:rPr lang="en-IN" smtClean="0"/>
-              <a:t>‹#›</a:t>
             </a:fld>
             <a:endParaRPr lang="en-IN"/>
           </a:p>
         </p:txBody>
       </p:sp>
     </p:spTree>
-    <p:extLst>
-      <p:ext uri="{BB962C8B-B14F-4D97-AF65-F5344CB8AC3E}">
-        <p14:creationId xmlns:p14="http://schemas.microsoft.com/office/powerpoint/2010/main" val="319083294"/>
-      </p:ext>
-    </p:extLst>
   </p:cSld>
   <p:clrMapOvr>
     <a:masterClrMapping/>
@@ -565,6 +550,7 @@
               <a:rPr lang="en-US" smtClean="0"/>
               <a:t>Click to edit Master text styles</a:t>
             </a:r>
+            <a:endParaRPr lang="en-US" smtClean="0"/>
           </a:p>
           <a:p>
             <a:pPr lvl="1"/>
@@ -572,6 +558,7 @@
               <a:rPr lang="en-US" smtClean="0"/>
               <a:t>Second level</a:t>
             </a:r>
+            <a:endParaRPr lang="en-US" smtClean="0"/>
           </a:p>
           <a:p>
             <a:pPr lvl="2"/>
@@ -579,6 +566,7 @@
               <a:rPr lang="en-US" smtClean="0"/>
               <a:t>Third level</a:t>
             </a:r>
+            <a:endParaRPr lang="en-US" smtClean="0"/>
           </a:p>
           <a:p>
             <a:pPr lvl="3"/>
@@ -586,6 +574,7 @@
               <a:rPr lang="en-US" smtClean="0"/>
               <a:t>Fourth level</a:t>
             </a:r>
+            <a:endParaRPr lang="en-US" smtClean="0"/>
           </a:p>
           <a:p>
             <a:pPr lvl="4"/>
@@ -614,7 +603,6 @@
           <a:p>
             <a:fld id="{650FB50C-1933-4E16-8100-74B85EF9E195}" type="datetimeFigureOut">
               <a:rPr lang="en-IN" smtClean="0"/>
-              <a:t>03-09-2025</a:t>
             </a:fld>
             <a:endParaRPr lang="en-IN"/>
           </a:p>
@@ -656,18 +644,12 @@
           <a:p>
             <a:fld id="{ABBB04A1-C3FB-45F1-AE9B-9BC9124315DB}" type="slidenum">
               <a:rPr lang="en-IN" smtClean="0"/>
-              <a:t>‹#›</a:t>
             </a:fld>
             <a:endParaRPr lang="en-IN"/>
           </a:p>
         </p:txBody>
       </p:sp>
     </p:spTree>
-    <p:extLst>
-      <p:ext uri="{BB962C8B-B14F-4D97-AF65-F5344CB8AC3E}">
-        <p14:creationId xmlns:p14="http://schemas.microsoft.com/office/powerpoint/2010/main" val="2734079704"/>
-      </p:ext>
-    </p:extLst>
   </p:cSld>
   <p:clrMapOvr>
     <a:masterClrMapping/>
@@ -735,6 +717,7 @@
               <a:rPr lang="en-US" smtClean="0"/>
               <a:t>Click to edit Master text styles</a:t>
             </a:r>
+            <a:endParaRPr lang="en-US" smtClean="0"/>
           </a:p>
           <a:p>
             <a:pPr lvl="1"/>
@@ -742,6 +725,7 @@
               <a:rPr lang="en-US" smtClean="0"/>
               <a:t>Second level</a:t>
             </a:r>
+            <a:endParaRPr lang="en-US" smtClean="0"/>
           </a:p>
           <a:p>
             <a:pPr lvl="2"/>
@@ -749,6 +733,7 @@
               <a:rPr lang="en-US" smtClean="0"/>
               <a:t>Third level</a:t>
             </a:r>
+            <a:endParaRPr lang="en-US" smtClean="0"/>
           </a:p>
           <a:p>
             <a:pPr lvl="3"/>
@@ -756,6 +741,7 @@
               <a:rPr lang="en-US" smtClean="0"/>
               <a:t>Fourth level</a:t>
             </a:r>
+            <a:endParaRPr lang="en-US" smtClean="0"/>
           </a:p>
           <a:p>
             <a:pPr lvl="4"/>
@@ -784,7 +770,6 @@
           <a:p>
             <a:fld id="{650FB50C-1933-4E16-8100-74B85EF9E195}" type="datetimeFigureOut">
               <a:rPr lang="en-IN" smtClean="0"/>
-              <a:t>03-09-2025</a:t>
             </a:fld>
             <a:endParaRPr lang="en-IN"/>
           </a:p>
@@ -826,18 +811,12 @@
           <a:p>
             <a:fld id="{ABBB04A1-C3FB-45F1-AE9B-9BC9124315DB}" type="slidenum">
               <a:rPr lang="en-IN" smtClean="0"/>
-              <a:t>‹#›</a:t>
             </a:fld>
             <a:endParaRPr lang="en-IN"/>
           </a:p>
         </p:txBody>
       </p:sp>
     </p:spTree>
-    <p:extLst>
-      <p:ext uri="{BB962C8B-B14F-4D97-AF65-F5344CB8AC3E}">
-        <p14:creationId xmlns:p14="http://schemas.microsoft.com/office/powerpoint/2010/main" val="2526656081"/>
-      </p:ext>
-    </p:extLst>
   </p:cSld>
   <p:clrMapOvr>
     <a:masterClrMapping/>
@@ -1010,6 +989,7 @@
               <a:rPr lang="en-US" smtClean="0"/>
               <a:t>Click to edit Master text styles</a:t>
             </a:r>
+            <a:endParaRPr lang="en-US" smtClean="0"/>
           </a:p>
         </p:txBody>
       </p:sp>
@@ -1030,7 +1010,6 @@
           <a:p>
             <a:fld id="{650FB50C-1933-4E16-8100-74B85EF9E195}" type="datetimeFigureOut">
               <a:rPr lang="en-IN" smtClean="0"/>
-              <a:t>03-09-2025</a:t>
             </a:fld>
             <a:endParaRPr lang="en-IN"/>
           </a:p>
@@ -1072,18 +1051,12 @@
           <a:p>
             <a:fld id="{ABBB04A1-C3FB-45F1-AE9B-9BC9124315DB}" type="slidenum">
               <a:rPr lang="en-IN" smtClean="0"/>
-              <a:t>‹#›</a:t>
             </a:fld>
             <a:endParaRPr lang="en-IN"/>
           </a:p>
         </p:txBody>
       </p:sp>
     </p:spTree>
-    <p:extLst>
-      <p:ext uri="{BB962C8B-B14F-4D97-AF65-F5344CB8AC3E}">
-        <p14:creationId xmlns:p14="http://schemas.microsoft.com/office/powerpoint/2010/main" val="3577061273"/>
-      </p:ext>
-    </p:extLst>
   </p:cSld>
   <p:clrMapOvr>
     <a:masterClrMapping/>
@@ -1156,6 +1129,7 @@
               <a:rPr lang="en-US" smtClean="0"/>
               <a:t>Click to edit Master text styles</a:t>
             </a:r>
+            <a:endParaRPr lang="en-US" smtClean="0"/>
           </a:p>
           <a:p>
             <a:pPr lvl="1"/>
@@ -1163,6 +1137,7 @@
               <a:rPr lang="en-US" smtClean="0"/>
               <a:t>Second level</a:t>
             </a:r>
+            <a:endParaRPr lang="en-US" smtClean="0"/>
           </a:p>
           <a:p>
             <a:pPr lvl="2"/>
@@ -1170,6 +1145,7 @@
               <a:rPr lang="en-US" smtClean="0"/>
               <a:t>Third level</a:t>
             </a:r>
+            <a:endParaRPr lang="en-US" smtClean="0"/>
           </a:p>
           <a:p>
             <a:pPr lvl="3"/>
@@ -1177,6 +1153,7 @@
               <a:rPr lang="en-US" smtClean="0"/>
               <a:t>Fourth level</a:t>
             </a:r>
+            <a:endParaRPr lang="en-US" smtClean="0"/>
           </a:p>
           <a:p>
             <a:pPr lvl="4"/>
@@ -1213,6 +1190,7 @@
               <a:rPr lang="en-US" smtClean="0"/>
               <a:t>Click to edit Master text styles</a:t>
             </a:r>
+            <a:endParaRPr lang="en-US" smtClean="0"/>
           </a:p>
           <a:p>
             <a:pPr lvl="1"/>
@@ -1220,6 +1198,7 @@
               <a:rPr lang="en-US" smtClean="0"/>
               <a:t>Second level</a:t>
             </a:r>
+            <a:endParaRPr lang="en-US" smtClean="0"/>
           </a:p>
           <a:p>
             <a:pPr lvl="2"/>
@@ -1227,6 +1206,7 @@
               <a:rPr lang="en-US" smtClean="0"/>
               <a:t>Third level</a:t>
             </a:r>
+            <a:endParaRPr lang="en-US" smtClean="0"/>
           </a:p>
           <a:p>
             <a:pPr lvl="3"/>
@@ -1234,6 +1214,7 @@
               <a:rPr lang="en-US" smtClean="0"/>
               <a:t>Fourth level</a:t>
             </a:r>
+            <a:endParaRPr lang="en-US" smtClean="0"/>
           </a:p>
           <a:p>
             <a:pPr lvl="4"/>
@@ -1262,7 +1243,6 @@
           <a:p>
             <a:fld id="{650FB50C-1933-4E16-8100-74B85EF9E195}" type="datetimeFigureOut">
               <a:rPr lang="en-IN" smtClean="0"/>
-              <a:t>03-09-2025</a:t>
             </a:fld>
             <a:endParaRPr lang="en-IN"/>
           </a:p>
@@ -1304,18 +1284,12 @@
           <a:p>
             <a:fld id="{ABBB04A1-C3FB-45F1-AE9B-9BC9124315DB}" type="slidenum">
               <a:rPr lang="en-IN" smtClean="0"/>
-              <a:t>‹#›</a:t>
             </a:fld>
             <a:endParaRPr lang="en-IN"/>
           </a:p>
         </p:txBody>
       </p:sp>
     </p:spTree>
-    <p:extLst>
-      <p:ext uri="{BB962C8B-B14F-4D97-AF65-F5344CB8AC3E}">
-        <p14:creationId xmlns:p14="http://schemas.microsoft.com/office/powerpoint/2010/main" val="3070626020"/>
-      </p:ext>
-    </p:extLst>
   </p:cSld>
   <p:clrMapOvr>
     <a:masterClrMapping/>
@@ -1430,6 +1404,7 @@
               <a:rPr lang="en-US" smtClean="0"/>
               <a:t>Click to edit Master text styles</a:t>
             </a:r>
+            <a:endParaRPr lang="en-US" smtClean="0"/>
           </a:p>
         </p:txBody>
       </p:sp>
@@ -1458,6 +1433,7 @@
               <a:rPr lang="en-US" smtClean="0"/>
               <a:t>Click to edit Master text styles</a:t>
             </a:r>
+            <a:endParaRPr lang="en-US" smtClean="0"/>
           </a:p>
           <a:p>
             <a:pPr lvl="1"/>
@@ -1465,6 +1441,7 @@
               <a:rPr lang="en-US" smtClean="0"/>
               <a:t>Second level</a:t>
             </a:r>
+            <a:endParaRPr lang="en-US" smtClean="0"/>
           </a:p>
           <a:p>
             <a:pPr lvl="2"/>
@@ -1472,6 +1449,7 @@
               <a:rPr lang="en-US" smtClean="0"/>
               <a:t>Third level</a:t>
             </a:r>
+            <a:endParaRPr lang="en-US" smtClean="0"/>
           </a:p>
           <a:p>
             <a:pPr lvl="3"/>
@@ -1479,6 +1457,7 @@
               <a:rPr lang="en-US" smtClean="0"/>
               <a:t>Fourth level</a:t>
             </a:r>
+            <a:endParaRPr lang="en-US" smtClean="0"/>
           </a:p>
           <a:p>
             <a:pPr lvl="4"/>
@@ -1552,6 +1531,7 @@
               <a:rPr lang="en-US" smtClean="0"/>
               <a:t>Click to edit Master text styles</a:t>
             </a:r>
+            <a:endParaRPr lang="en-US" smtClean="0"/>
           </a:p>
         </p:txBody>
       </p:sp>
@@ -1580,6 +1560,7 @@
               <a:rPr lang="en-US" smtClean="0"/>
               <a:t>Click to edit Master text styles</a:t>
             </a:r>
+            <a:endParaRPr lang="en-US" smtClean="0"/>
           </a:p>
           <a:p>
             <a:pPr lvl="1"/>
@@ -1587,6 +1568,7 @@
               <a:rPr lang="en-US" smtClean="0"/>
               <a:t>Second level</a:t>
             </a:r>
+            <a:endParaRPr lang="en-US" smtClean="0"/>
           </a:p>
           <a:p>
             <a:pPr lvl="2"/>
@@ -1594,6 +1576,7 @@
               <a:rPr lang="en-US" smtClean="0"/>
               <a:t>Third level</a:t>
             </a:r>
+            <a:endParaRPr lang="en-US" smtClean="0"/>
           </a:p>
           <a:p>
             <a:pPr lvl="3"/>
@@ -1601,6 +1584,7 @@
               <a:rPr lang="en-US" smtClean="0"/>
               <a:t>Fourth level</a:t>
             </a:r>
+            <a:endParaRPr lang="en-US" smtClean="0"/>
           </a:p>
           <a:p>
             <a:pPr lvl="4"/>
@@ -1629,7 +1613,6 @@
           <a:p>
             <a:fld id="{650FB50C-1933-4E16-8100-74B85EF9E195}" type="datetimeFigureOut">
               <a:rPr lang="en-IN" smtClean="0"/>
-              <a:t>03-09-2025</a:t>
             </a:fld>
             <a:endParaRPr lang="en-IN"/>
           </a:p>
@@ -1671,18 +1654,12 @@
           <a:p>
             <a:fld id="{ABBB04A1-C3FB-45F1-AE9B-9BC9124315DB}" type="slidenum">
               <a:rPr lang="en-IN" smtClean="0"/>
-              <a:t>‹#›</a:t>
             </a:fld>
             <a:endParaRPr lang="en-IN"/>
           </a:p>
         </p:txBody>
       </p:sp>
     </p:spTree>
-    <p:extLst>
-      <p:ext uri="{BB962C8B-B14F-4D97-AF65-F5344CB8AC3E}">
-        <p14:creationId xmlns:p14="http://schemas.microsoft.com/office/powerpoint/2010/main" val="999174765"/>
-      </p:ext>
-    </p:extLst>
   </p:cSld>
   <p:clrMapOvr>
     <a:masterClrMapping/>
@@ -1747,7 +1724,6 @@
           <a:p>
             <a:fld id="{650FB50C-1933-4E16-8100-74B85EF9E195}" type="datetimeFigureOut">
               <a:rPr lang="en-IN" smtClean="0"/>
-              <a:t>03-09-2025</a:t>
             </a:fld>
             <a:endParaRPr lang="en-IN"/>
           </a:p>
@@ -1789,18 +1765,12 @@
           <a:p>
             <a:fld id="{ABBB04A1-C3FB-45F1-AE9B-9BC9124315DB}" type="slidenum">
               <a:rPr lang="en-IN" smtClean="0"/>
-              <a:t>‹#›</a:t>
             </a:fld>
             <a:endParaRPr lang="en-IN"/>
           </a:p>
         </p:txBody>
       </p:sp>
     </p:spTree>
-    <p:extLst>
-      <p:ext uri="{BB962C8B-B14F-4D97-AF65-F5344CB8AC3E}">
-        <p14:creationId xmlns:p14="http://schemas.microsoft.com/office/powerpoint/2010/main" val="4173751973"/>
-      </p:ext>
-    </p:extLst>
   </p:cSld>
   <p:clrMapOvr>
     <a:masterClrMapping/>
@@ -1842,7 +1812,6 @@
           <a:p>
             <a:fld id="{650FB50C-1933-4E16-8100-74B85EF9E195}" type="datetimeFigureOut">
               <a:rPr lang="en-IN" smtClean="0"/>
-              <a:t>03-09-2025</a:t>
             </a:fld>
             <a:endParaRPr lang="en-IN"/>
           </a:p>
@@ -1884,18 +1853,12 @@
           <a:p>
             <a:fld id="{ABBB04A1-C3FB-45F1-AE9B-9BC9124315DB}" type="slidenum">
               <a:rPr lang="en-IN" smtClean="0"/>
-              <a:t>‹#›</a:t>
             </a:fld>
             <a:endParaRPr lang="en-IN"/>
           </a:p>
         </p:txBody>
       </p:sp>
     </p:spTree>
-    <p:extLst>
-      <p:ext uri="{BB962C8B-B14F-4D97-AF65-F5344CB8AC3E}">
-        <p14:creationId xmlns:p14="http://schemas.microsoft.com/office/powerpoint/2010/main" val="2253557688"/>
-      </p:ext>
-    </p:extLst>
   </p:cSld>
   <p:clrMapOvr>
     <a:masterClrMapping/>
@@ -2005,6 +1968,7 @@
               <a:rPr lang="en-US" smtClean="0"/>
               <a:t>Click to edit Master text styles</a:t>
             </a:r>
+            <a:endParaRPr lang="en-US" smtClean="0"/>
           </a:p>
           <a:p>
             <a:pPr lvl="1"/>
@@ -2012,6 +1976,7 @@
               <a:rPr lang="en-US" smtClean="0"/>
               <a:t>Second level</a:t>
             </a:r>
+            <a:endParaRPr lang="en-US" smtClean="0"/>
           </a:p>
           <a:p>
             <a:pPr lvl="2"/>
@@ -2019,6 +1984,7 @@
               <a:rPr lang="en-US" smtClean="0"/>
               <a:t>Third level</a:t>
             </a:r>
+            <a:endParaRPr lang="en-US" smtClean="0"/>
           </a:p>
           <a:p>
             <a:pPr lvl="3"/>
@@ -2026,6 +1992,7 @@
               <a:rPr lang="en-US" smtClean="0"/>
               <a:t>Fourth level</a:t>
             </a:r>
+            <a:endParaRPr lang="en-US" smtClean="0"/>
           </a:p>
           <a:p>
             <a:pPr lvl="4"/>
@@ -2099,6 +2066,7 @@
               <a:rPr lang="en-US" smtClean="0"/>
               <a:t>Click to edit Master text styles</a:t>
             </a:r>
+            <a:endParaRPr lang="en-US" smtClean="0"/>
           </a:p>
         </p:txBody>
       </p:sp>
@@ -2119,7 +2087,6 @@
           <a:p>
             <a:fld id="{650FB50C-1933-4E16-8100-74B85EF9E195}" type="datetimeFigureOut">
               <a:rPr lang="en-IN" smtClean="0"/>
-              <a:t>03-09-2025</a:t>
             </a:fld>
             <a:endParaRPr lang="en-IN"/>
           </a:p>
@@ -2161,18 +2128,12 @@
           <a:p>
             <a:fld id="{ABBB04A1-C3FB-45F1-AE9B-9BC9124315DB}" type="slidenum">
               <a:rPr lang="en-IN" smtClean="0"/>
-              <a:t>‹#›</a:t>
             </a:fld>
             <a:endParaRPr lang="en-IN"/>
           </a:p>
         </p:txBody>
       </p:sp>
     </p:spTree>
-    <p:extLst>
-      <p:ext uri="{BB962C8B-B14F-4D97-AF65-F5344CB8AC3E}">
-        <p14:creationId xmlns:p14="http://schemas.microsoft.com/office/powerpoint/2010/main" val="1843331207"/>
-      </p:ext>
-    </p:extLst>
   </p:cSld>
   <p:clrMapOvr>
     <a:masterClrMapping/>
@@ -2352,6 +2313,7 @@
               <a:rPr lang="en-US" smtClean="0"/>
               <a:t>Click to edit Master text styles</a:t>
             </a:r>
+            <a:endParaRPr lang="en-US" smtClean="0"/>
           </a:p>
         </p:txBody>
       </p:sp>
@@ -2372,7 +2334,6 @@
           <a:p>
             <a:fld id="{650FB50C-1933-4E16-8100-74B85EF9E195}" type="datetimeFigureOut">
               <a:rPr lang="en-IN" smtClean="0"/>
-              <a:t>03-09-2025</a:t>
             </a:fld>
             <a:endParaRPr lang="en-IN"/>
           </a:p>
@@ -2414,18 +2375,12 @@
           <a:p>
             <a:fld id="{ABBB04A1-C3FB-45F1-AE9B-9BC9124315DB}" type="slidenum">
               <a:rPr lang="en-IN" smtClean="0"/>
-              <a:t>‹#›</a:t>
             </a:fld>
             <a:endParaRPr lang="en-IN"/>
           </a:p>
         </p:txBody>
       </p:sp>
     </p:spTree>
-    <p:extLst>
-      <p:ext uri="{BB962C8B-B14F-4D97-AF65-F5344CB8AC3E}">
-        <p14:creationId xmlns:p14="http://schemas.microsoft.com/office/powerpoint/2010/main" val="2390932783"/>
-      </p:ext>
-    </p:extLst>
   </p:cSld>
   <p:clrMapOvr>
     <a:masterClrMapping/>
@@ -2518,6 +2473,7 @@
               <a:rPr lang="en-US" smtClean="0"/>
               <a:t>Click to edit Master text styles</a:t>
             </a:r>
+            <a:endParaRPr lang="en-US" smtClean="0"/>
           </a:p>
           <a:p>
             <a:pPr lvl="1"/>
@@ -2525,6 +2481,7 @@
               <a:rPr lang="en-US" smtClean="0"/>
               <a:t>Second level</a:t>
             </a:r>
+            <a:endParaRPr lang="en-US" smtClean="0"/>
           </a:p>
           <a:p>
             <a:pPr lvl="2"/>
@@ -2532,6 +2489,7 @@
               <a:rPr lang="en-US" smtClean="0"/>
               <a:t>Third level</a:t>
             </a:r>
+            <a:endParaRPr lang="en-US" smtClean="0"/>
           </a:p>
           <a:p>
             <a:pPr lvl="3"/>
@@ -2539,6 +2497,7 @@
               <a:rPr lang="en-US" smtClean="0"/>
               <a:t>Fourth level</a:t>
             </a:r>
+            <a:endParaRPr lang="en-US" smtClean="0"/>
           </a:p>
           <a:p>
             <a:pPr lvl="4"/>
@@ -2585,7 +2544,6 @@
           <a:p>
             <a:fld id="{650FB50C-1933-4E16-8100-74B85EF9E195}" type="datetimeFigureOut">
               <a:rPr lang="en-IN" smtClean="0"/>
-              <a:t>03-09-2025</a:t>
             </a:fld>
             <a:endParaRPr lang="en-IN"/>
           </a:p>
@@ -2663,18 +2621,12 @@
           <a:p>
             <a:fld id="{ABBB04A1-C3FB-45F1-AE9B-9BC9124315DB}" type="slidenum">
               <a:rPr lang="en-IN" smtClean="0"/>
-              <a:t>‹#›</a:t>
             </a:fld>
             <a:endParaRPr lang="en-IN"/>
           </a:p>
         </p:txBody>
       </p:sp>
     </p:spTree>
-    <p:extLst>
-      <p:ext uri="{BB962C8B-B14F-4D97-AF65-F5344CB8AC3E}">
-        <p14:creationId xmlns:p14="http://schemas.microsoft.com/office/powerpoint/2010/main" val="619775133"/>
-      </p:ext>
-    </p:extLst>
   </p:cSld>
   <p:clrMap bg1="lt1" tx1="dk1" bg2="lt2" tx2="dk2" accent1="accent1" accent2="accent2" accent3="accent3" accent4="accent4" accent5="accent5" accent6="accent6" hlink="hlink" folHlink="folHlink"/>
   <p:sldLayoutIdLst>
@@ -2718,7 +2670,7 @@
         <a:spcBef>
           <a:spcPts val="1000"/>
         </a:spcBef>
-        <a:buFont typeface="Arial" panose="020B0604020202020204" pitchFamily="34" charset="0"/>
+        <a:buFont typeface="Arial" panose="02080604020202020204" pitchFamily="34" charset="0"/>
         <a:buChar char="•"/>
         <a:defRPr sz="2800" kern="1200">
           <a:solidFill>
@@ -2736,7 +2688,7 @@
         <a:spcBef>
           <a:spcPts val="500"/>
         </a:spcBef>
-        <a:buFont typeface="Arial" panose="020B0604020202020204" pitchFamily="34" charset="0"/>
+        <a:buFont typeface="Arial" panose="02080604020202020204" pitchFamily="34" charset="0"/>
         <a:buChar char="•"/>
         <a:defRPr sz="2400" kern="1200">
           <a:solidFill>
@@ -2754,7 +2706,7 @@
         <a:spcBef>
           <a:spcPts val="500"/>
         </a:spcBef>
-        <a:buFont typeface="Arial" panose="020B0604020202020204" pitchFamily="34" charset="0"/>
+        <a:buFont typeface="Arial" panose="02080604020202020204" pitchFamily="34" charset="0"/>
         <a:buChar char="•"/>
         <a:defRPr sz="2000" kern="1200">
           <a:solidFill>
@@ -2772,7 +2724,7 @@
         <a:spcBef>
           <a:spcPts val="500"/>
         </a:spcBef>
-        <a:buFont typeface="Arial" panose="020B0604020202020204" pitchFamily="34" charset="0"/>
+        <a:buFont typeface="Arial" panose="02080604020202020204" pitchFamily="34" charset="0"/>
         <a:buChar char="•"/>
         <a:defRPr sz="1800" kern="1200">
           <a:solidFill>
@@ -2790,7 +2742,7 @@
         <a:spcBef>
           <a:spcPts val="500"/>
         </a:spcBef>
-        <a:buFont typeface="Arial" panose="020B0604020202020204" pitchFamily="34" charset="0"/>
+        <a:buFont typeface="Arial" panose="02080604020202020204" pitchFamily="34" charset="0"/>
         <a:buChar char="•"/>
         <a:defRPr sz="1800" kern="1200">
           <a:solidFill>
@@ -2808,7 +2760,7 @@
         <a:spcBef>
           <a:spcPts val="500"/>
         </a:spcBef>
-        <a:buFont typeface="Arial" panose="020B0604020202020204" pitchFamily="34" charset="0"/>
+        <a:buFont typeface="Arial" panose="02080604020202020204" pitchFamily="34" charset="0"/>
         <a:buChar char="•"/>
         <a:defRPr sz="1800" kern="1200">
           <a:solidFill>
@@ -2826,7 +2778,7 @@
         <a:spcBef>
           <a:spcPts val="500"/>
         </a:spcBef>
-        <a:buFont typeface="Arial" panose="020B0604020202020204" pitchFamily="34" charset="0"/>
+        <a:buFont typeface="Arial" panose="02080604020202020204" pitchFamily="34" charset="0"/>
         <a:buChar char="•"/>
         <a:defRPr sz="1800" kern="1200">
           <a:solidFill>
@@ -2844,7 +2796,7 @@
         <a:spcBef>
           <a:spcPts val="500"/>
         </a:spcBef>
-        <a:buFont typeface="Arial" panose="020B0604020202020204" pitchFamily="34" charset="0"/>
+        <a:buFont typeface="Arial" panose="02080604020202020204" pitchFamily="34" charset="0"/>
         <a:buChar char="•"/>
         <a:defRPr sz="1800" kern="1200">
           <a:solidFill>
@@ -2862,7 +2814,7 @@
         <a:spcBef>
           <a:spcPts val="500"/>
         </a:spcBef>
-        <a:buFont typeface="Arial" panose="020B0604020202020204" pitchFamily="34" charset="0"/>
+        <a:buFont typeface="Arial" panose="02080604020202020204" pitchFamily="34" charset="0"/>
         <a:buChar char="•"/>
         <a:defRPr sz="1800" kern="1200">
           <a:solidFill>
@@ -3028,11 +2980,6 @@
         </p:txBody>
       </p:sp>
     </p:spTree>
-    <p:extLst>
-      <p:ext uri="{BB962C8B-B14F-4D97-AF65-F5344CB8AC3E}">
-        <p14:creationId xmlns:p14="http://schemas.microsoft.com/office/powerpoint/2010/main" val="838805878"/>
-      </p:ext>
-    </p:extLst>
   </p:cSld>
   <p:clrMapOvr>
     <a:masterClrMapping/>
@@ -3132,6 +3079,7 @@
               <a:rPr lang="en-US" dirty="0" smtClean="0"/>
               <a:t> </a:t>
             </a:r>
+            <a:endParaRPr lang="en-US" dirty="0" smtClean="0"/>
           </a:p>
           <a:p>
             <a:endParaRPr lang="en-US" dirty="0"/>
@@ -3150,6 +3098,7 @@
               <a:rPr lang="en-US" dirty="0" smtClean="0"/>
               <a:t> </a:t>
             </a:r>
+            <a:endParaRPr lang="en-US" dirty="0" smtClean="0"/>
           </a:p>
           <a:p>
             <a:pPr marL="0" indent="0">
@@ -3172,7 +3121,7 @@
           <p:nvPr/>
         </p:nvPicPr>
         <p:blipFill>
-          <a:blip r:embed="rId2"/>
+          <a:blip r:embed="rId1"/>
           <a:stretch>
             <a:fillRect/>
           </a:stretch>
@@ -3188,11 +3137,6 @@
         </p:spPr>
       </p:pic>
     </p:spTree>
-    <p:extLst>
-      <p:ext uri="{BB962C8B-B14F-4D97-AF65-F5344CB8AC3E}">
-        <p14:creationId xmlns:p14="http://schemas.microsoft.com/office/powerpoint/2010/main" val="1546122395"/>
-      </p:ext>
-    </p:extLst>
   </p:cSld>
   <p:clrMapOvr>
     <a:masterClrMapping/>
@@ -3340,7 +3284,7 @@
           <p:nvPr/>
         </p:nvPicPr>
         <p:blipFill>
-          <a:blip r:embed="rId2"/>
+          <a:blip r:embed="rId1"/>
           <a:stretch>
             <a:fillRect/>
           </a:stretch>
@@ -3356,11 +3300,6 @@
         </p:spPr>
       </p:pic>
     </p:spTree>
-    <p:extLst>
-      <p:ext uri="{BB962C8B-B14F-4D97-AF65-F5344CB8AC3E}">
-        <p14:creationId xmlns:p14="http://schemas.microsoft.com/office/powerpoint/2010/main" val="4022288102"/>
-      </p:ext>
-    </p:extLst>
   </p:cSld>
   <p:clrMapOvr>
     <a:masterClrMapping/>
@@ -3428,6 +3367,7 @@
               <a:rPr lang="en-US" dirty="0" smtClean="0"/>
               <a:t>variable (Best fit-model)  </a:t>
             </a:r>
+            <a:endParaRPr lang="en-US" dirty="0" smtClean="0"/>
           </a:p>
           <a:p>
             <a:pPr marL="0" indent="0">
@@ -3541,7 +3481,7 @@
           <p:nvPr/>
         </p:nvPicPr>
         <p:blipFill>
-          <a:blip r:embed="rId2"/>
+          <a:blip r:embed="rId1"/>
           <a:stretch>
             <a:fillRect/>
           </a:stretch>
@@ -3557,11 +3497,6 @@
         </p:spPr>
       </p:pic>
     </p:spTree>
-    <p:extLst>
-      <p:ext uri="{BB962C8B-B14F-4D97-AF65-F5344CB8AC3E}">
-        <p14:creationId xmlns:p14="http://schemas.microsoft.com/office/powerpoint/2010/main" val="561053313"/>
-      </p:ext>
-    </p:extLst>
   </p:cSld>
   <p:clrMapOvr>
     <a:masterClrMapping/>
@@ -3615,6 +3550,10 @@
               </a:rPr>
               <a:t>Problem Setup</a:t>
             </a:r>
+            <a:endParaRPr lang="en-IN" b="1" dirty="0">
+              <a:latin typeface="Times New Roman" panose="02020603050405020304" pitchFamily="18" charset="0"/>
+              <a:cs typeface="Times New Roman" panose="02020603050405020304" pitchFamily="18" charset="0"/>
+            </a:endParaRPr>
           </a:p>
         </p:txBody>
       </p:sp>
@@ -3654,6 +3593,10 @@
               </a:rPr>
               <a:t>.</a:t>
             </a:r>
+            <a:endParaRPr lang="en-US" dirty="0" smtClean="0">
+              <a:latin typeface="Times New Roman" panose="02020603050405020304" pitchFamily="18" charset="0"/>
+              <a:cs typeface="Times New Roman" panose="02020603050405020304" pitchFamily="18" charset="0"/>
+            </a:endParaRPr>
           </a:p>
           <a:p>
             <a:r>
@@ -3663,6 +3606,10 @@
               </a:rPr>
               <a:t>Model:</a:t>
             </a:r>
+            <a:endParaRPr lang="sv-SE" dirty="0">
+              <a:latin typeface="Times New Roman" panose="02020603050405020304" pitchFamily="18" charset="0"/>
+              <a:cs typeface="Times New Roman" panose="02020603050405020304" pitchFamily="18" charset="0"/>
+            </a:endParaRPr>
           </a:p>
           <a:p>
             <a:pPr marL="0" indent="0">
@@ -3724,6 +3671,10 @@
               </a:rPr>
               <a:t>2</a:t>
             </a:r>
+            <a:endParaRPr lang="sv-SE" baseline="30000" dirty="0" smtClean="0">
+              <a:latin typeface="Times New Roman" panose="02020603050405020304" pitchFamily="18" charset="0"/>
+              <a:cs typeface="Times New Roman" panose="02020603050405020304" pitchFamily="18" charset="0"/>
+            </a:endParaRPr>
           </a:p>
           <a:p>
             <a:pPr marL="0" indent="0">
@@ -3896,11 +3847,6 @@
         </p:txBody>
       </p:sp>
     </p:spTree>
-    <p:extLst>
-      <p:ext uri="{BB962C8B-B14F-4D97-AF65-F5344CB8AC3E}">
-        <p14:creationId xmlns:p14="http://schemas.microsoft.com/office/powerpoint/2010/main" val="2362763160"/>
-      </p:ext>
-    </p:extLst>
   </p:cSld>
   <p:clrMapOvr>
     <a:masterClrMapping/>
@@ -3954,11 +3900,15 @@
               </a:rPr>
               <a:t>Matrix Representation</a:t>
             </a:r>
+            <a:endParaRPr lang="en-IN" b="1" dirty="0">
+              <a:latin typeface="Times New Roman" panose="02020603050405020304" pitchFamily="18" charset="0"/>
+              <a:cs typeface="Times New Roman" panose="02020603050405020304" pitchFamily="18" charset="0"/>
+            </a:endParaRPr>
           </a:p>
         </p:txBody>
       </p:sp>
-      <mc:AlternateContent xmlns:mc="http://schemas.openxmlformats.org/markup-compatibility/2006" xmlns:a14="http://schemas.microsoft.com/office/drawing/2010/main">
-        <mc:Choice Requires="a14">
+      <mc:AlternateContent xmlns:mc="http://schemas.openxmlformats.org/markup-compatibility/2006">
+        <mc:Choice xmlns:a14="http://schemas.microsoft.com/office/drawing/2010/main" Requires="a14">
           <p:sp>
             <p:nvSpPr>
               <p:cNvPr id="3" name="Content Placeholder 2"/>
@@ -3981,6 +3931,10 @@
                   </a:rPr>
                   <a:t>Define:</a:t>
                 </a:r>
+                <a:endParaRPr lang="en-IN" dirty="0" smtClean="0">
+                  <a:latin typeface="Times New Roman" panose="02020603050405020304" pitchFamily="18" charset="0"/>
+                  <a:cs typeface="Times New Roman" panose="02020603050405020304" pitchFamily="18" charset="0"/>
+                </a:endParaRPr>
               </a:p>
               <a:p>
                 <a:pPr marL="0" indent="0">
@@ -4000,6 +3954,10 @@
                   </a:rPr>
                   <a:t>		</a:t>
                 </a:r>
+                <a:endParaRPr lang="en-US" dirty="0" smtClean="0">
+                  <a:latin typeface="Times New Roman" panose="02020603050405020304" pitchFamily="18" charset="0"/>
+                  <a:cs typeface="Times New Roman" panose="02020603050405020304" pitchFamily="18" charset="0"/>
+                </a:endParaRPr>
               </a:p>
               <a:p>
                 <a:pPr marL="0" indent="0">
@@ -4046,6 +4004,10 @@
                   </a:rPr>
                   <a:t>in matrix form:</a:t>
                 </a:r>
+                <a:endParaRPr lang="en-IN" dirty="0">
+                  <a:latin typeface="Times New Roman" panose="02020603050405020304" pitchFamily="18" charset="0"/>
+                  <a:cs typeface="Times New Roman" panose="02020603050405020304" pitchFamily="18" charset="0"/>
+                </a:endParaRPr>
               </a:p>
               <a:p>
                 <a:pPr marL="0" indent="0">
@@ -4107,22 +4069,22 @@
             </p:txBody>
           </p:sp>
         </mc:Choice>
-        <mc:Fallback xmlns="">
+        <mc:Fallback>
           <p:sp>
             <p:nvSpPr>
               <p:cNvPr id="3" name="Content Placeholder 2"/>
               <p:cNvSpPr>
-                <a:spLocks noGrp="1" noRot="1" noChangeAspect="1" noMove="1" noResize="1" noEditPoints="1" noAdjustHandles="1" noChangeArrowheads="1" noChangeShapeType="1" noTextEdit="1"/>
+                <a:spLocks noRot="1" noChangeAspect="1" noMove="1" noResize="1" noEditPoints="1" noAdjustHandles="1" noChangeArrowheads="1" noChangeShapeType="1" noTextEdit="1"/>
               </p:cNvSpPr>
               <p:nvPr>
                 <p:ph idx="1"/>
               </p:nvPr>
             </p:nvSpPr>
             <p:spPr>
-              <a:blipFill rotWithShape="0">
-                <a:blip r:embed="rId2"/>
+              <a:blipFill rotWithShape="1">
+                <a:blip r:embed="rId1"/>
                 <a:stretch>
-                  <a:fillRect l="-1043" t="-2381"/>
+                  <a:fillRect b="-3860"/>
                 </a:stretch>
               </a:blipFill>
             </p:spPr>
@@ -4131,7 +4093,7 @@
               <a:lstStyle/>
               <a:p>
                 <a:r>
-                  <a:rPr lang="en-IN">
+                  <a:rPr lang="en-US" altLang="en-US">
                     <a:noFill/>
                   </a:rPr>
                   <a:t> </a:t>
@@ -4150,7 +4112,7 @@
           <p:nvPr/>
         </p:nvPicPr>
         <p:blipFill>
-          <a:blip r:embed="rId3"/>
+          <a:blip r:embed="rId2"/>
           <a:stretch>
             <a:fillRect/>
           </a:stretch>
@@ -4166,11 +4128,6 @@
         </p:spPr>
       </p:pic>
     </p:spTree>
-    <p:extLst>
-      <p:ext uri="{BB962C8B-B14F-4D97-AF65-F5344CB8AC3E}">
-        <p14:creationId xmlns:p14="http://schemas.microsoft.com/office/powerpoint/2010/main" val="4182132404"/>
-      </p:ext>
-    </p:extLst>
   </p:cSld>
   <p:clrMapOvr>
     <a:masterClrMapping/>
@@ -4224,6 +4181,10 @@
               </a:rPr>
               <a:t>Error (Loss) Function</a:t>
             </a:r>
+            <a:endParaRPr lang="en-IN" b="1" dirty="0">
+              <a:latin typeface="Times New Roman" panose="02020603050405020304" pitchFamily="18" charset="0"/>
+              <a:cs typeface="Times New Roman" panose="02020603050405020304" pitchFamily="18" charset="0"/>
+            </a:endParaRPr>
           </a:p>
         </p:txBody>
       </p:sp>
@@ -4251,6 +4212,10 @@
                   </a:rPr>
                   <a:t>Sum of Squared Errors (SSE):</a:t>
                 </a:r>
+                <a:endParaRPr lang="en-US" dirty="0" smtClean="0">
+                  <a:latin typeface="Times New Roman" panose="02020603050405020304" pitchFamily="18" charset="0"/>
+                  <a:cs typeface="Times New Roman" panose="02020603050405020304" pitchFamily="18" charset="0"/>
+                </a:endParaRPr>
               </a:p>
               <a:p>
                 <a:endParaRPr lang="en-US" dirty="0" smtClean="0">
@@ -4332,7 +4297,15 @@
                               <a:ea typeface="Cambria Math" panose="02040503050406030204" pitchFamily="18" charset="0"/>
                               <a:cs typeface="Times New Roman" panose="02020603050405020304" pitchFamily="18" charset="0"/>
                             </a:rPr>
-                            <m:t>=1</m:t>
+                            <m:t>=</m:t>
+                          </m:r>
+                          <m:r>
+                            <a:rPr lang="en-US" b="0" i="1" smtClean="0">
+                              <a:latin typeface="Cambria Math" panose="02040503050406030204" pitchFamily="18" charset="0"/>
+                              <a:ea typeface="Cambria Math" panose="02040503050406030204" pitchFamily="18" charset="0"/>
+                              <a:cs typeface="Times New Roman" panose="02020603050405020304" pitchFamily="18" charset="0"/>
+                            </a:rPr>
+                            <m:t>1</m:t>
                           </m:r>
                         </m:sub>
                         <m:sup>
@@ -4643,6 +4616,10 @@
                   </a:rPr>
                   <a:t>:</a:t>
                 </a:r>
+                <a:endParaRPr lang="en-IN" dirty="0" smtClean="0">
+                  <a:latin typeface="Times New Roman" panose="02020603050405020304" pitchFamily="18" charset="0"/>
+                  <a:cs typeface="Times New Roman" panose="02020603050405020304" pitchFamily="18" charset="0"/>
+                </a:endParaRPr>
               </a:p>
               <a:p>
                 <a:pPr marL="0" indent="0" algn="ctr">
@@ -4824,6 +4801,10 @@
                   </a:rPr>
                   <a:t>                </a:t>
                 </a:r>
+                <a:endParaRPr lang="en-IN" dirty="0" smtClean="0">
+                  <a:latin typeface="Times New Roman" panose="02020603050405020304" pitchFamily="18" charset="0"/>
+                  <a:cs typeface="Times New Roman" panose="02020603050405020304" pitchFamily="18" charset="0"/>
+                </a:endParaRPr>
               </a:p>
               <a:p>
                 <a:pPr marL="0" indent="0">
@@ -4934,7 +4915,15 @@
                             <a:ea typeface="Cambria Math" panose="02040503050406030204" pitchFamily="18" charset="0"/>
                             <a:cs typeface="Times New Roman" panose="02020603050405020304" pitchFamily="18" charset="0"/>
                           </a:rPr>
-                          <m:t>−2</m:t>
+                          <m:t>−</m:t>
+                        </m:r>
+                        <m:r>
+                          <a:rPr lang="en-US" b="0" i="1" smtClean="0">
+                            <a:latin typeface="Cambria Math" panose="02040503050406030204" pitchFamily="18" charset="0"/>
+                            <a:ea typeface="Cambria Math" panose="02040503050406030204" pitchFamily="18" charset="0"/>
+                            <a:cs typeface="Times New Roman" panose="02020603050405020304" pitchFamily="18" charset="0"/>
+                          </a:rPr>
+                          <m:t>2</m:t>
                         </m:r>
                         <m:r>
                           <a:rPr lang="en-US" b="0" i="1" smtClean="0">
@@ -5063,17 +5052,17 @@
             <p:nvSpPr>
               <p:cNvPr id="3" name="Content Placeholder 2"/>
               <p:cNvSpPr>
-                <a:spLocks noGrp="1" noRot="1" noChangeAspect="1" noMove="1" noResize="1" noEditPoints="1" noAdjustHandles="1" noChangeArrowheads="1" noChangeShapeType="1" noTextEdit="1"/>
+                <a:spLocks noRot="1" noChangeAspect="1" noMove="1" noResize="1" noEditPoints="1" noAdjustHandles="1" noChangeArrowheads="1" noChangeShapeType="1" noTextEdit="1"/>
               </p:cNvSpPr>
               <p:nvPr>
                 <p:ph idx="1"/>
               </p:nvPr>
             </p:nvSpPr>
             <p:spPr>
-              <a:blipFill>
-                <a:blip r:embed="rId2"/>
+              <a:blipFill rotWithShape="1">
+                <a:blip r:embed="rId1"/>
                 <a:stretch>
-                  <a:fillRect l="-1217" t="-2381"/>
+                  <a:fillRect b="-3758"/>
                 </a:stretch>
               </a:blipFill>
             </p:spPr>
@@ -5082,7 +5071,7 @@
               <a:lstStyle/>
               <a:p>
                 <a:r>
-                  <a:rPr lang="en-IN">
+                  <a:rPr lang="en-US" altLang="en-US">
                     <a:noFill/>
                   </a:rPr>
                   <a:t> </a:t>
@@ -5093,11 +5082,6 @@
         </mc:Fallback>
       </mc:AlternateContent>
     </p:spTree>
-    <p:extLst>
-      <p:ext uri="{BB962C8B-B14F-4D97-AF65-F5344CB8AC3E}">
-        <p14:creationId xmlns:p14="http://schemas.microsoft.com/office/powerpoint/2010/main" val="3040366493"/>
-      </p:ext>
-    </p:extLst>
   </p:cSld>
   <p:clrMapOvr>
     <a:masterClrMapping/>
@@ -5151,11 +5135,15 @@
               </a:rPr>
               <a:t>Minimisation</a:t>
             </a:r>
+            <a:endParaRPr lang="en-IN" b="1" dirty="0">
+              <a:latin typeface="Times New Roman" panose="02020603050405020304" pitchFamily="18" charset="0"/>
+              <a:cs typeface="Times New Roman" panose="02020603050405020304" pitchFamily="18" charset="0"/>
+            </a:endParaRPr>
           </a:p>
         </p:txBody>
       </p:sp>
-      <mc:AlternateContent xmlns:mc="http://schemas.openxmlformats.org/markup-compatibility/2006" xmlns:a14="http://schemas.microsoft.com/office/drawing/2010/main">
-        <mc:Choice Requires="a14">
+      <mc:AlternateContent xmlns:mc="http://schemas.openxmlformats.org/markup-compatibility/2006">
+        <mc:Choice xmlns:a14="http://schemas.microsoft.com/office/drawing/2010/main" Requires="a14">
           <p:sp>
             <p:nvSpPr>
               <p:cNvPr id="3" name="Content Placeholder 2"/>
@@ -5255,7 +5243,13 @@
                         <a:rPr lang="en-US" b="0" i="1" smtClean="0">
                           <a:latin typeface="Cambria Math" panose="02040503050406030204" pitchFamily="18" charset="0"/>
                         </a:rPr>
-                        <m:t>=−2</m:t>
+                        <m:t>=−</m:t>
+                      </m:r>
+                      <m:r>
+                        <a:rPr lang="en-US" b="0" i="1" smtClean="0">
+                          <a:latin typeface="Cambria Math" panose="02040503050406030204" pitchFamily="18" charset="0"/>
+                        </a:rPr>
+                        <m:t>2</m:t>
                       </m:r>
                       <m:sSup>
                         <m:sSupPr>
@@ -5292,7 +5286,13 @@
                         <a:rPr lang="en-US" b="0" i="1" smtClean="0">
                           <a:latin typeface="Cambria Math" panose="02040503050406030204" pitchFamily="18" charset="0"/>
                         </a:rPr>
-                        <m:t>+2</m:t>
+                        <m:t>+</m:t>
+                      </m:r>
+                      <m:r>
+                        <a:rPr lang="en-US" b="0" i="1" smtClean="0">
+                          <a:latin typeface="Cambria Math" panose="02040503050406030204" pitchFamily="18" charset="0"/>
+                        </a:rPr>
+                        <m:t>2</m:t>
                       </m:r>
                       <m:sSup>
                         <m:sSupPr>
@@ -5403,6 +5403,10 @@
                   </a:rPr>
                   <a:t> = 0</a:t>
                 </a:r>
+                <a:endParaRPr lang="en-US" i="1" dirty="0" smtClean="0">
+                  <a:latin typeface="Times New Roman" panose="02020603050405020304" pitchFamily="18" charset="0"/>
+                  <a:cs typeface="Times New Roman" panose="02020603050405020304" pitchFamily="18" charset="0"/>
+                </a:endParaRPr>
               </a:p>
               <a:p>
                 <a:pPr marL="0" indent="0" algn="ctr">
@@ -5414,7 +5418,13 @@
                       <a:rPr lang="en-US" i="1">
                         <a:latin typeface="Cambria Math" panose="02040503050406030204" pitchFamily="18" charset="0"/>
                       </a:rPr>
-                      <m:t>−2</m:t>
+                      <m:t>−</m:t>
+                    </m:r>
+                    <m:r>
+                      <a:rPr lang="en-US" i="1">
+                        <a:latin typeface="Cambria Math" panose="02040503050406030204" pitchFamily="18" charset="0"/>
+                      </a:rPr>
+                      <m:t>2</m:t>
                     </m:r>
                     <m:sSup>
                       <m:sSupPr>
@@ -5451,7 +5461,13 @@
                       <a:rPr lang="en-US" i="1">
                         <a:latin typeface="Cambria Math" panose="02040503050406030204" pitchFamily="18" charset="0"/>
                       </a:rPr>
-                      <m:t>+2</m:t>
+                      <m:t>+</m:t>
+                    </m:r>
+                    <m:r>
+                      <a:rPr lang="en-US" i="1">
+                        <a:latin typeface="Cambria Math" panose="02040503050406030204" pitchFamily="18" charset="0"/>
+                      </a:rPr>
+                      <m:t>2</m:t>
                     </m:r>
                     <m:sSup>
                       <m:sSupPr>
@@ -5513,6 +5529,10 @@
                   </a:rPr>
                   <a:t>Rearrange </a:t>
                 </a:r>
+                <a:endParaRPr lang="en-US" dirty="0" smtClean="0">
+                  <a:latin typeface="Times New Roman" panose="02020603050405020304" pitchFamily="18" charset="0"/>
+                  <a:cs typeface="Times New Roman" panose="02020603050405020304" pitchFamily="18" charset="0"/>
+                </a:endParaRPr>
               </a:p>
               <a:p>
                 <a:pPr marL="0" indent="0">
@@ -5616,6 +5636,10 @@
                   </a:rPr>
                   <a:t>Normal equation  </a:t>
                 </a:r>
+                <a:endParaRPr lang="en-US" dirty="0" smtClean="0">
+                  <a:latin typeface="Times New Roman" panose="02020603050405020304" pitchFamily="18" charset="0"/>
+                  <a:cs typeface="Times New Roman" panose="02020603050405020304" pitchFamily="18" charset="0"/>
+                </a:endParaRPr>
               </a:p>
               <a:p>
                 <a:pPr marL="0" indent="0">
@@ -5706,7 +5730,14 @@
                               <a:latin typeface="Cambria Math" panose="02040503050406030204" pitchFamily="18" charset="0"/>
                               <a:ea typeface="Cambria Math" panose="02040503050406030204" pitchFamily="18" charset="0"/>
                             </a:rPr>
-                            <m:t>−1</m:t>
+                            <m:t>−</m:t>
+                          </m:r>
+                          <m:r>
+                            <a:rPr lang="en-US" b="0" i="1" smtClean="0">
+                              <a:latin typeface="Cambria Math" panose="02040503050406030204" pitchFamily="18" charset="0"/>
+                              <a:ea typeface="Cambria Math" panose="02040503050406030204" pitchFamily="18" charset="0"/>
+                            </a:rPr>
+                            <m:t>1</m:t>
                           </m:r>
                         </m:sup>
                       </m:sSup>
@@ -5756,22 +5787,22 @@
             </p:txBody>
           </p:sp>
         </mc:Choice>
-        <mc:Fallback xmlns="">
+        <mc:Fallback>
           <p:sp>
             <p:nvSpPr>
               <p:cNvPr id="3" name="Content Placeholder 2"/>
               <p:cNvSpPr>
-                <a:spLocks noGrp="1" noRot="1" noChangeAspect="1" noMove="1" noResize="1" noEditPoints="1" noAdjustHandles="1" noChangeArrowheads="1" noChangeShapeType="1" noTextEdit="1"/>
+                <a:spLocks noRot="1" noChangeAspect="1" noMove="1" noResize="1" noEditPoints="1" noAdjustHandles="1" noChangeArrowheads="1" noChangeShapeType="1" noTextEdit="1"/>
               </p:cNvSpPr>
               <p:nvPr>
                 <p:ph idx="1"/>
               </p:nvPr>
             </p:nvSpPr>
             <p:spPr>
-              <a:blipFill rotWithShape="0">
-                <a:blip r:embed="rId2"/>
+              <a:blipFill rotWithShape="1">
+                <a:blip r:embed="rId1"/>
                 <a:stretch>
-                  <a:fillRect l="-1043" t="-3081"/>
+                  <a:fillRect t="-321" b="7"/>
                 </a:stretch>
               </a:blipFill>
             </p:spPr>
@@ -5780,7 +5811,7 @@
               <a:lstStyle/>
               <a:p>
                 <a:r>
-                  <a:rPr lang="en-IN">
+                  <a:rPr lang="en-US" altLang="en-US">
                     <a:noFill/>
                   </a:rPr>
                   <a:t> </a:t>
@@ -5791,11 +5822,6 @@
         </mc:Fallback>
       </mc:AlternateContent>
     </p:spTree>
-    <p:extLst>
-      <p:ext uri="{BB962C8B-B14F-4D97-AF65-F5344CB8AC3E}">
-        <p14:creationId xmlns:p14="http://schemas.microsoft.com/office/powerpoint/2010/main" val="3742408904"/>
-      </p:ext>
-    </p:extLst>
   </p:cSld>
   <p:clrMapOvr>
     <a:masterClrMapping/>
@@ -5856,8 +5882,8 @@
           </a:p>
         </p:txBody>
       </p:sp>
-      <mc:AlternateContent xmlns:mc="http://schemas.openxmlformats.org/markup-compatibility/2006" xmlns:a14="http://schemas.microsoft.com/office/drawing/2010/main">
-        <mc:Choice Requires="a14">
+      <mc:AlternateContent xmlns:mc="http://schemas.openxmlformats.org/markup-compatibility/2006">
+        <mc:Choice xmlns:a14="http://schemas.microsoft.com/office/drawing/2010/main" Requires="a14">
           <p:sp>
             <p:nvSpPr>
               <p:cNvPr id="3" name="Content Placeholder 2"/>
@@ -5968,7 +5994,19 @@
                       <a:rPr lang="en-US" b="0" i="1" smtClean="0">
                         <a:latin typeface="Cambria Math" panose="02040503050406030204" pitchFamily="18" charset="0"/>
                       </a:rPr>
-                      <m:t>=  0+</m:t>
+                      <m:t>=  </m:t>
+                    </m:r>
+                    <m:r>
+                      <a:rPr lang="en-US" b="0" i="1" smtClean="0">
+                        <a:latin typeface="Cambria Math" panose="02040503050406030204" pitchFamily="18" charset="0"/>
+                      </a:rPr>
+                      <m:t>0</m:t>
+                    </m:r>
+                    <m:r>
+                      <a:rPr lang="en-US" b="0" i="1" smtClean="0">
+                        <a:latin typeface="Cambria Math" panose="02040503050406030204" pitchFamily="18" charset="0"/>
+                      </a:rPr>
+                      <m:t>+</m:t>
                     </m:r>
                     <m:r>
                       <a:rPr lang="en-US" i="1">
@@ -6020,6 +6058,10 @@
                   </a:rPr>
                   <a:t>(always positive)</a:t>
                 </a:r>
+                <a:endParaRPr lang="en-IN" dirty="0" smtClean="0">
+                  <a:latin typeface="Times New Roman" panose="02020603050405020304" pitchFamily="18" charset="0"/>
+                  <a:cs typeface="Times New Roman" panose="02020603050405020304" pitchFamily="18" charset="0"/>
+                </a:endParaRPr>
               </a:p>
               <a:p>
                 <a:pPr marL="0" indent="0">
@@ -6062,13 +6104,6 @@
                   </a:rPr>
                   <a:t>Example1 : </a:t>
                 </a:r>
-                <a:r>
-                  <a:rPr lang="en-US" dirty="0" smtClean="0">
-                    <a:latin typeface="Times New Roman" panose="02020603050405020304" pitchFamily="18" charset="0"/>
-                    <a:cs typeface="Times New Roman" panose="02020603050405020304" pitchFamily="18" charset="0"/>
-                  </a:rPr>
-                  <a:t/>
-                </a:r>
                 <a:br>
                   <a:rPr lang="en-US" dirty="0" smtClean="0">
                     <a:latin typeface="Times New Roman" panose="02020603050405020304" pitchFamily="18" charset="0"/>
@@ -6082,6 +6117,10 @@
                   </a:rPr>
                   <a:t>Find the quadratic polynomial linear regression model to fit the data points : </a:t>
                 </a:r>
+                <a:endParaRPr lang="en-US" dirty="0" smtClean="0">
+                  <a:latin typeface="Times New Roman" panose="02020603050405020304" pitchFamily="18" charset="0"/>
+                  <a:cs typeface="Times New Roman" panose="02020603050405020304" pitchFamily="18" charset="0"/>
+                </a:endParaRPr>
               </a:p>
               <a:p>
                 <a:pPr marL="0" indent="0">
@@ -6102,22 +6141,22 @@
             </p:txBody>
           </p:sp>
         </mc:Choice>
-        <mc:Fallback xmlns="">
+        <mc:Fallback>
           <p:sp>
             <p:nvSpPr>
               <p:cNvPr id="3" name="Content Placeholder 2"/>
               <p:cNvSpPr>
-                <a:spLocks noGrp="1" noRot="1" noChangeAspect="1" noMove="1" noResize="1" noEditPoints="1" noAdjustHandles="1" noChangeArrowheads="1" noChangeShapeType="1" noTextEdit="1"/>
+                <a:spLocks noRot="1" noChangeAspect="1" noMove="1" noResize="1" noEditPoints="1" noAdjustHandles="1" noChangeArrowheads="1" noChangeShapeType="1" noTextEdit="1"/>
               </p:cNvSpPr>
               <p:nvPr>
                 <p:ph idx="1"/>
               </p:nvPr>
             </p:nvSpPr>
             <p:spPr>
-              <a:blipFill rotWithShape="0">
-                <a:blip r:embed="rId2"/>
+              <a:blipFill rotWithShape="1">
+                <a:blip r:embed="rId1"/>
                 <a:stretch>
-                  <a:fillRect l="-1217"/>
+                  <a:fillRect b="7"/>
                 </a:stretch>
               </a:blipFill>
             </p:spPr>
@@ -6126,7 +6165,7 @@
               <a:lstStyle/>
               <a:p>
                 <a:r>
-                  <a:rPr lang="en-IN">
+                  <a:rPr lang="en-US" altLang="en-US">
                     <a:noFill/>
                   </a:rPr>
                   <a:t> </a:t>
@@ -6137,11 +6176,6 @@
         </mc:Fallback>
       </mc:AlternateContent>
     </p:spTree>
-    <p:extLst>
-      <p:ext uri="{BB962C8B-B14F-4D97-AF65-F5344CB8AC3E}">
-        <p14:creationId xmlns:p14="http://schemas.microsoft.com/office/powerpoint/2010/main" val="3865712617"/>
-      </p:ext>
-    </p:extLst>
   </p:cSld>
   <p:clrMapOvr>
     <a:masterClrMapping/>
@@ -6202,8 +6236,8 @@
           </a:p>
         </p:txBody>
       </p:sp>
-      <mc:AlternateContent xmlns:mc="http://schemas.openxmlformats.org/markup-compatibility/2006" xmlns:a14="http://schemas.microsoft.com/office/drawing/2010/main">
-        <mc:Choice Requires="a14">
+      <mc:AlternateContent xmlns:mc="http://schemas.openxmlformats.org/markup-compatibility/2006">
+        <mc:Choice xmlns:a14="http://schemas.microsoft.com/office/drawing/2010/main" Requires="a14">
           <p:sp>
             <p:nvSpPr>
               <p:cNvPr id="3" name="Content Placeholder 2"/>
@@ -6228,6 +6262,10 @@
                   </a:rPr>
                   <a:t>Let the quadratic polynomial be</a:t>
                 </a:r>
+                <a:endParaRPr lang="en-US" dirty="0" smtClean="0">
+                  <a:latin typeface="Times New Roman" panose="02020603050405020304" pitchFamily="18" charset="0"/>
+                  <a:cs typeface="Times New Roman" panose="02020603050405020304" pitchFamily="18" charset="0"/>
+                </a:endParaRPr>
               </a:p>
               <a:p>
                 <a:pPr marL="0" indent="0" algn="ctr">
@@ -6289,6 +6327,10 @@
                   </a:rPr>
                   <a:t>2</a:t>
                 </a:r>
+                <a:endParaRPr lang="sv-SE" baseline="30000" dirty="0">
+                  <a:latin typeface="Times New Roman" panose="02020603050405020304" pitchFamily="18" charset="0"/>
+                  <a:cs typeface="Times New Roman" panose="02020603050405020304" pitchFamily="18" charset="0"/>
+                </a:endParaRPr>
               </a:p>
               <a:p>
                 <a:pPr marL="0" indent="0">
@@ -6298,6 +6340,7 @@
                   <a:rPr lang="en-US" dirty="0" smtClean="0"/>
                   <a:t> In Matrix form: </a:t>
                 </a:r>
+                <a:endParaRPr lang="en-US" dirty="0" smtClean="0"/>
               </a:p>
               <a:p>
                 <a:pPr marL="0" indent="0">
@@ -6911,22 +6954,22 @@
             </p:txBody>
           </p:sp>
         </mc:Choice>
-        <mc:Fallback xmlns="">
+        <mc:Fallback>
           <p:sp>
             <p:nvSpPr>
               <p:cNvPr id="3" name="Content Placeholder 2"/>
               <p:cNvSpPr>
-                <a:spLocks noGrp="1" noRot="1" noChangeAspect="1" noMove="1" noResize="1" noEditPoints="1" noAdjustHandles="1" noChangeArrowheads="1" noChangeShapeType="1" noTextEdit="1"/>
+                <a:spLocks noRot="1" noChangeAspect="1" noMove="1" noResize="1" noEditPoints="1" noAdjustHandles="1" noChangeArrowheads="1" noChangeShapeType="1" noTextEdit="1"/>
               </p:cNvSpPr>
               <p:nvPr>
                 <p:ph idx="1"/>
               </p:nvPr>
             </p:nvSpPr>
             <p:spPr>
-              <a:blipFill rotWithShape="0">
-                <a:blip r:embed="rId2"/>
+              <a:blipFill rotWithShape="1">
+                <a:blip r:embed="rId1"/>
                 <a:stretch>
-                  <a:fillRect l="-1217" t="-2381"/>
+                  <a:fillRect b="-1029"/>
                 </a:stretch>
               </a:blipFill>
             </p:spPr>
@@ -6935,7 +6978,7 @@
               <a:lstStyle/>
               <a:p>
                 <a:r>
-                  <a:rPr lang="en-IN">
+                  <a:rPr lang="en-US" altLang="en-US">
                     <a:noFill/>
                   </a:rPr>
                   <a:t> </a:t>
@@ -6946,11 +6989,6 @@
         </mc:Fallback>
       </mc:AlternateContent>
     </p:spTree>
-    <p:extLst>
-      <p:ext uri="{BB962C8B-B14F-4D97-AF65-F5344CB8AC3E}">
-        <p14:creationId xmlns:p14="http://schemas.microsoft.com/office/powerpoint/2010/main" val="3428262393"/>
-      </p:ext>
-    </p:extLst>
   </p:cSld>
   <p:clrMapOvr>
     <a:masterClrMapping/>
@@ -7001,8 +7039,8 @@
           </a:p>
         </p:txBody>
       </p:sp>
-      <mc:AlternateContent xmlns:mc="http://schemas.openxmlformats.org/markup-compatibility/2006" xmlns:a14="http://schemas.microsoft.com/office/drawing/2010/main">
-        <mc:Choice Requires="a14">
+      <mc:AlternateContent xmlns:mc="http://schemas.openxmlformats.org/markup-compatibility/2006">
+        <mc:Choice xmlns:a14="http://schemas.microsoft.com/office/drawing/2010/main" Requires="a14">
           <p:sp>
             <p:nvSpPr>
               <p:cNvPr id="3" name="Content Placeholder 2"/>
@@ -7336,7 +7374,14 @@
                               <a:latin typeface="Cambria Math" panose="02040503050406030204" pitchFamily="18" charset="0"/>
                               <a:ea typeface="Cambria Math" panose="02040503050406030204" pitchFamily="18" charset="0"/>
                             </a:rPr>
-                            <m:t>−1</m:t>
+                            <m:t>−</m:t>
+                          </m:r>
+                          <m:r>
+                            <a:rPr lang="en-US" i="1">
+                              <a:latin typeface="Cambria Math" panose="02040503050406030204" pitchFamily="18" charset="0"/>
+                              <a:ea typeface="Cambria Math" panose="02040503050406030204" pitchFamily="18" charset="0"/>
+                            </a:rPr>
+                            <m:t>1</m:t>
                           </m:r>
                         </m:sup>
                       </m:sSup>
@@ -7547,6 +7592,10 @@
                   </a:rPr>
                   <a:t>  </a:t>
                 </a:r>
+                <a:endParaRPr lang="en-IN" dirty="0" smtClean="0">
+                  <a:latin typeface="Times New Roman" panose="02020603050405020304" pitchFamily="18" charset="0"/>
+                  <a:cs typeface="Times New Roman" panose="02020603050405020304" pitchFamily="18" charset="0"/>
+                </a:endParaRPr>
               </a:p>
               <a:p>
                 <a:pPr marL="0" indent="0">
@@ -7559,6 +7608,10 @@
                   </a:rPr>
                   <a:t>  </a:t>
                 </a:r>
+                <a:endParaRPr lang="en-IN" dirty="0" smtClean="0">
+                  <a:latin typeface="Times New Roman" panose="02020603050405020304" pitchFamily="18" charset="0"/>
+                  <a:cs typeface="Times New Roman" panose="02020603050405020304" pitchFamily="18" charset="0"/>
+                </a:endParaRPr>
               </a:p>
               <a:p>
                 <a:pPr marL="0" indent="0">
@@ -7991,22 +8044,22 @@
             </p:txBody>
           </p:sp>
         </mc:Choice>
-        <mc:Fallback xmlns="">
+        <mc:Fallback>
           <p:sp>
             <p:nvSpPr>
               <p:cNvPr id="3" name="Content Placeholder 2"/>
               <p:cNvSpPr>
-                <a:spLocks noGrp="1" noRot="1" noChangeAspect="1" noMove="1" noResize="1" noEditPoints="1" noAdjustHandles="1" noChangeArrowheads="1" noChangeShapeType="1" noTextEdit="1"/>
+                <a:spLocks noRot="1" noChangeAspect="1" noMove="1" noResize="1" noEditPoints="1" noAdjustHandles="1" noChangeArrowheads="1" noChangeShapeType="1" noTextEdit="1"/>
               </p:cNvSpPr>
               <p:nvPr>
                 <p:ph idx="1"/>
               </p:nvPr>
             </p:nvSpPr>
             <p:spPr>
-              <a:blipFill rotWithShape="0">
-                <a:blip r:embed="rId2"/>
+              <a:blipFill rotWithShape="1">
+                <a:blip r:embed="rId1"/>
                 <a:stretch>
-                  <a:fillRect l="-1043"/>
+                  <a:fillRect t="-1299" b="-3874"/>
                 </a:stretch>
               </a:blipFill>
             </p:spPr>
@@ -8015,7 +8068,7 @@
               <a:lstStyle/>
               <a:p>
                 <a:r>
-                  <a:rPr lang="en-IN">
+                  <a:rPr lang="en-US" altLang="en-US">
                     <a:noFill/>
                   </a:rPr>
                   <a:t> </a:t>
@@ -8026,11 +8079,6 @@
         </mc:Fallback>
       </mc:AlternateContent>
     </p:spTree>
-    <p:extLst>
-      <p:ext uri="{BB962C8B-B14F-4D97-AF65-F5344CB8AC3E}">
-        <p14:creationId xmlns:p14="http://schemas.microsoft.com/office/powerpoint/2010/main" val="1568924847"/>
-      </p:ext>
-    </p:extLst>
   </p:cSld>
   <p:clrMapOvr>
     <a:masterClrMapping/>
@@ -8108,6 +8156,10 @@
               </a:rPr>
               <a:t>Simple linear regression and multiple linear regression already discussed. </a:t>
             </a:r>
+            <a:endParaRPr lang="en-US" dirty="0" smtClean="0">
+              <a:latin typeface="Times New Roman" panose="02020603050405020304" pitchFamily="18" charset="0"/>
+              <a:cs typeface="Times New Roman" panose="02020603050405020304" pitchFamily="18" charset="0"/>
+            </a:endParaRPr>
           </a:p>
           <a:p>
             <a:pPr algn="just"/>
@@ -8125,6 +8177,10 @@
               </a:rPr>
               <a:t>In both Simple linear regression and multiple linear regression the dependent variable or output variable changes linearly with respect to the independent variable(s). </a:t>
             </a:r>
+            <a:endParaRPr lang="en-US" dirty="0" smtClean="0">
+              <a:latin typeface="Times New Roman" panose="02020603050405020304" pitchFamily="18" charset="0"/>
+              <a:cs typeface="Times New Roman" panose="02020603050405020304" pitchFamily="18" charset="0"/>
+            </a:endParaRPr>
           </a:p>
           <a:p>
             <a:pPr algn="just"/>
@@ -8150,11 +8206,6 @@
         </p:txBody>
       </p:sp>
     </p:spTree>
-    <p:extLst>
-      <p:ext uri="{BB962C8B-B14F-4D97-AF65-F5344CB8AC3E}">
-        <p14:creationId xmlns:p14="http://schemas.microsoft.com/office/powerpoint/2010/main" val="1636881053"/>
-      </p:ext>
-    </p:extLst>
   </p:cSld>
   <p:clrMapOvr>
     <a:masterClrMapping/>
@@ -8205,8 +8256,8 @@
           </a:p>
         </p:txBody>
       </p:sp>
-      <mc:AlternateContent xmlns:mc="http://schemas.openxmlformats.org/markup-compatibility/2006" xmlns:a14="http://schemas.microsoft.com/office/drawing/2010/main">
-        <mc:Choice Requires="a14">
+      <mc:AlternateContent xmlns:mc="http://schemas.openxmlformats.org/markup-compatibility/2006">
+        <mc:Choice xmlns:a14="http://schemas.microsoft.com/office/drawing/2010/main" Requires="a14">
           <p:sp>
             <p:nvSpPr>
               <p:cNvPr id="3" name="Content Placeholder 2"/>
@@ -8310,7 +8361,14 @@
                             <a:latin typeface="Cambria Math" panose="02040503050406030204" pitchFamily="18" charset="0"/>
                             <a:ea typeface="Cambria Math" panose="02040503050406030204" pitchFamily="18" charset="0"/>
                           </a:rPr>
-                          <m:t>−1</m:t>
+                          <m:t>−</m:t>
+                        </m:r>
+                        <m:r>
+                          <a:rPr lang="en-US" i="1">
+                            <a:latin typeface="Cambria Math" panose="02040503050406030204" pitchFamily="18" charset="0"/>
+                            <a:ea typeface="Cambria Math" panose="02040503050406030204" pitchFamily="18" charset="0"/>
+                          </a:rPr>
+                          <m:t>1</m:t>
                         </m:r>
                       </m:sup>
                     </m:sSup>
@@ -8392,7 +8450,14 @@
                             <a:latin typeface="Cambria Math" panose="02040503050406030204" pitchFamily="18" charset="0"/>
                             <a:ea typeface="Cambria Math" panose="02040503050406030204" pitchFamily="18" charset="0"/>
                           </a:rPr>
-                          <m:t>−1</m:t>
+                          <m:t>−</m:t>
+                        </m:r>
+                        <m:r>
+                          <a:rPr lang="en-US" i="1">
+                            <a:latin typeface="Cambria Math" panose="02040503050406030204" pitchFamily="18" charset="0"/>
+                            <a:ea typeface="Cambria Math" panose="02040503050406030204" pitchFamily="18" charset="0"/>
+                          </a:rPr>
+                          <m:t>1</m:t>
                         </m:r>
                       </m:sup>
                     </m:sSup>
@@ -8535,7 +8600,14 @@
                             <a:latin typeface="Cambria Math" panose="02040503050406030204" pitchFamily="18" charset="0"/>
                             <a:cs typeface="Times New Roman" panose="02020603050405020304" pitchFamily="18" charset="0"/>
                           </a:rPr>
-                          <m:t>−1</m:t>
+                          <m:t>−</m:t>
+                        </m:r>
+                        <m:r>
+                          <a:rPr lang="en-US" b="0" i="1" dirty="0" smtClean="0">
+                            <a:latin typeface="Cambria Math" panose="02040503050406030204" pitchFamily="18" charset="0"/>
+                            <a:cs typeface="Times New Roman" panose="02020603050405020304" pitchFamily="18" charset="0"/>
+                          </a:rPr>
+                          <m:t>1</m:t>
                         </m:r>
                       </m:sup>
                     </m:sSup>
@@ -8588,7 +8660,19 @@
                                 <a:rPr lang="en-US" b="0" i="1" smtClean="0">
                                   <a:latin typeface="Cambria Math" panose="02040503050406030204" pitchFamily="18" charset="0"/>
                                 </a:rPr>
-                                <m:t>9.0</m:t>
+                                <m:t>9</m:t>
+                              </m:r>
+                              <m:r>
+                                <a:rPr lang="en-US" b="0" i="1" smtClean="0">
+                                  <a:latin typeface="Cambria Math" panose="02040503050406030204" pitchFamily="18" charset="0"/>
+                                </a:rPr>
+                                <m:t>.</m:t>
+                              </m:r>
+                              <m:r>
+                                <a:rPr lang="en-US" b="0" i="1" smtClean="0">
+                                  <a:latin typeface="Cambria Math" panose="02040503050406030204" pitchFamily="18" charset="0"/>
+                                </a:rPr>
+                                <m:t>0</m:t>
                               </m:r>
                             </m:e>
                             <m:e>
@@ -8596,7 +8680,25 @@
                                 <a:rPr lang="en-US" b="0" i="1" smtClean="0">
                                   <a:latin typeface="Cambria Math" panose="02040503050406030204" pitchFamily="18" charset="0"/>
                                 </a:rPr>
-                                <m:t>−21.0</m:t>
+                                <m:t>−</m:t>
+                              </m:r>
+                              <m:r>
+                                <a:rPr lang="en-US" b="0" i="1" smtClean="0">
+                                  <a:latin typeface="Cambria Math" panose="02040503050406030204" pitchFamily="18" charset="0"/>
+                                </a:rPr>
+                                <m:t>21</m:t>
+                              </m:r>
+                              <m:r>
+                                <a:rPr lang="en-US" b="0" i="1" smtClean="0">
+                                  <a:latin typeface="Cambria Math" panose="02040503050406030204" pitchFamily="18" charset="0"/>
+                                </a:rPr>
+                                <m:t>.</m:t>
+                              </m:r>
+                              <m:r>
+                                <a:rPr lang="en-US" b="0" i="1" smtClean="0">
+                                  <a:latin typeface="Cambria Math" panose="02040503050406030204" pitchFamily="18" charset="0"/>
+                                </a:rPr>
+                                <m:t>0</m:t>
                               </m:r>
                             </m:e>
                             <m:e>
@@ -8604,7 +8706,19 @@
                                 <a:rPr lang="en-US" b="0" i="1" smtClean="0">
                                   <a:latin typeface="Cambria Math" panose="02040503050406030204" pitchFamily="18" charset="0"/>
                                 </a:rPr>
-                                <m:t>5.0</m:t>
+                                <m:t>5</m:t>
+                              </m:r>
+                              <m:r>
+                                <a:rPr lang="en-US" b="0" i="1" smtClean="0">
+                                  <a:latin typeface="Cambria Math" panose="02040503050406030204" pitchFamily="18" charset="0"/>
+                                </a:rPr>
+                                <m:t>.</m:t>
+                              </m:r>
+                              <m:r>
+                                <a:rPr lang="en-US" b="0" i="1" smtClean="0">
+                                  <a:latin typeface="Cambria Math" panose="02040503050406030204" pitchFamily="18" charset="0"/>
+                                </a:rPr>
+                                <m:t>0</m:t>
                               </m:r>
                             </m:e>
                           </m:mr>
@@ -8614,7 +8728,25 @@
                                 <a:rPr lang="en-US" b="0" i="1" smtClean="0">
                                   <a:latin typeface="Cambria Math" panose="02040503050406030204" pitchFamily="18" charset="0"/>
                                 </a:rPr>
-                                <m:t>−21.0</m:t>
+                                <m:t>−</m:t>
+                              </m:r>
+                              <m:r>
+                                <a:rPr lang="en-US" b="0" i="1" smtClean="0">
+                                  <a:latin typeface="Cambria Math" panose="02040503050406030204" pitchFamily="18" charset="0"/>
+                                </a:rPr>
+                                <m:t>21</m:t>
+                              </m:r>
+                              <m:r>
+                                <a:rPr lang="en-US" b="0" i="1" smtClean="0">
+                                  <a:latin typeface="Cambria Math" panose="02040503050406030204" pitchFamily="18" charset="0"/>
+                                </a:rPr>
+                                <m:t>.</m:t>
+                              </m:r>
+                              <m:r>
+                                <a:rPr lang="en-US" b="0" i="1" smtClean="0">
+                                  <a:latin typeface="Cambria Math" panose="02040503050406030204" pitchFamily="18" charset="0"/>
+                                </a:rPr>
+                                <m:t>0</m:t>
                               </m:r>
                             </m:e>
                             <m:e>
@@ -8622,7 +8754,19 @@
                                 <a:rPr lang="en-US" b="0" i="1" smtClean="0">
                                   <a:latin typeface="Cambria Math" panose="02040503050406030204" pitchFamily="18" charset="0"/>
                                 </a:rPr>
-                                <m:t>24.5</m:t>
+                                <m:t>24</m:t>
+                              </m:r>
+                              <m:r>
+                                <a:rPr lang="en-US" b="0" i="1" smtClean="0">
+                                  <a:latin typeface="Cambria Math" panose="02040503050406030204" pitchFamily="18" charset="0"/>
+                                </a:rPr>
+                                <m:t>.</m:t>
+                              </m:r>
+                              <m:r>
+                                <a:rPr lang="en-US" b="0" i="1" smtClean="0">
+                                  <a:latin typeface="Cambria Math" panose="02040503050406030204" pitchFamily="18" charset="0"/>
+                                </a:rPr>
+                                <m:t>5</m:t>
                               </m:r>
                             </m:e>
                             <m:e>
@@ -8630,7 +8774,25 @@
                                 <a:rPr lang="en-US" b="0" i="1" smtClean="0">
                                   <a:latin typeface="Cambria Math" panose="02040503050406030204" pitchFamily="18" charset="0"/>
                                 </a:rPr>
-                                <m:t>−6.0</m:t>
+                                <m:t>−</m:t>
+                              </m:r>
+                              <m:r>
+                                <a:rPr lang="en-US" b="0" i="1" smtClean="0">
+                                  <a:latin typeface="Cambria Math" panose="02040503050406030204" pitchFamily="18" charset="0"/>
+                                </a:rPr>
+                                <m:t>6</m:t>
+                              </m:r>
+                              <m:r>
+                                <a:rPr lang="en-US" b="0" i="1" smtClean="0">
+                                  <a:latin typeface="Cambria Math" panose="02040503050406030204" pitchFamily="18" charset="0"/>
+                                </a:rPr>
+                                <m:t>.</m:t>
+                              </m:r>
+                              <m:r>
+                                <a:rPr lang="en-US" b="0" i="1" smtClean="0">
+                                  <a:latin typeface="Cambria Math" panose="02040503050406030204" pitchFamily="18" charset="0"/>
+                                </a:rPr>
+                                <m:t>0</m:t>
                               </m:r>
                             </m:e>
                           </m:mr>
@@ -8640,7 +8802,19 @@
                                 <a:rPr lang="en-US" b="0" i="1" smtClean="0">
                                   <a:latin typeface="Cambria Math" panose="02040503050406030204" pitchFamily="18" charset="0"/>
                                 </a:rPr>
-                                <m:t>5.0</m:t>
+                                <m:t>5</m:t>
+                              </m:r>
+                              <m:r>
+                                <a:rPr lang="en-US" b="0" i="1" smtClean="0">
+                                  <a:latin typeface="Cambria Math" panose="02040503050406030204" pitchFamily="18" charset="0"/>
+                                </a:rPr>
+                                <m:t>.</m:t>
+                              </m:r>
+                              <m:r>
+                                <a:rPr lang="en-US" b="0" i="1" smtClean="0">
+                                  <a:latin typeface="Cambria Math" panose="02040503050406030204" pitchFamily="18" charset="0"/>
+                                </a:rPr>
+                                <m:t>0</m:t>
                               </m:r>
                             </m:e>
                             <m:e>
@@ -8648,7 +8822,25 @@
                                 <a:rPr lang="en-US" b="0" i="1" smtClean="0">
                                   <a:latin typeface="Cambria Math" panose="02040503050406030204" pitchFamily="18" charset="0"/>
                                 </a:rPr>
-                                <m:t>−6.0</m:t>
+                                <m:t>−</m:t>
+                              </m:r>
+                              <m:r>
+                                <a:rPr lang="en-US" b="0" i="1" smtClean="0">
+                                  <a:latin typeface="Cambria Math" panose="02040503050406030204" pitchFamily="18" charset="0"/>
+                                </a:rPr>
+                                <m:t>6</m:t>
+                              </m:r>
+                              <m:r>
+                                <a:rPr lang="en-US" b="0" i="1" smtClean="0">
+                                  <a:latin typeface="Cambria Math" panose="02040503050406030204" pitchFamily="18" charset="0"/>
+                                </a:rPr>
+                                <m:t>.</m:t>
+                              </m:r>
+                              <m:r>
+                                <a:rPr lang="en-US" b="0" i="1" smtClean="0">
+                                  <a:latin typeface="Cambria Math" panose="02040503050406030204" pitchFamily="18" charset="0"/>
+                                </a:rPr>
+                                <m:t>0</m:t>
                               </m:r>
                             </m:e>
                             <m:e>
@@ -8656,7 +8848,19 @@
                                 <a:rPr lang="en-US" b="0" i="1" smtClean="0">
                                   <a:latin typeface="Cambria Math" panose="02040503050406030204" pitchFamily="18" charset="0"/>
                                 </a:rPr>
-                                <m:t>1.5</m:t>
+                                <m:t>1</m:t>
+                              </m:r>
+                              <m:r>
+                                <a:rPr lang="en-US" b="0" i="1" smtClean="0">
+                                  <a:latin typeface="Cambria Math" panose="02040503050406030204" pitchFamily="18" charset="0"/>
+                                </a:rPr>
+                                <m:t>.</m:t>
+                              </m:r>
+                              <m:r>
+                                <a:rPr lang="en-US" b="0" i="1" smtClean="0">
+                                  <a:latin typeface="Cambria Math" panose="02040503050406030204" pitchFamily="18" charset="0"/>
+                                </a:rPr>
+                                <m:t>5</m:t>
                               </m:r>
                             </m:e>
                           </m:mr>
@@ -9051,22 +9255,22 @@
             </p:txBody>
           </p:sp>
         </mc:Choice>
-        <mc:Fallback xmlns="">
+        <mc:Fallback>
           <p:sp>
             <p:nvSpPr>
               <p:cNvPr id="3" name="Content Placeholder 2"/>
               <p:cNvSpPr>
-                <a:spLocks noGrp="1" noRot="1" noChangeAspect="1" noMove="1" noResize="1" noEditPoints="1" noAdjustHandles="1" noChangeArrowheads="1" noChangeShapeType="1" noTextEdit="1"/>
+                <a:spLocks noRot="1" noChangeAspect="1" noMove="1" noResize="1" noEditPoints="1" noAdjustHandles="1" noChangeArrowheads="1" noChangeShapeType="1" noTextEdit="1"/>
               </p:cNvSpPr>
               <p:nvPr>
                 <p:ph idx="1"/>
               </p:nvPr>
             </p:nvSpPr>
             <p:spPr>
-              <a:blipFill rotWithShape="0">
-                <a:blip r:embed="rId2"/>
+              <a:blipFill rotWithShape="1">
+                <a:blip r:embed="rId1"/>
                 <a:stretch>
-                  <a:fillRect l="-1043"/>
+                  <a:fillRect t="-321" b="-17680"/>
                 </a:stretch>
               </a:blipFill>
             </p:spPr>
@@ -9075,7 +9279,7 @@
               <a:lstStyle/>
               <a:p>
                 <a:r>
-                  <a:rPr lang="en-IN">
+                  <a:rPr lang="en-US" altLang="en-US">
                     <a:noFill/>
                   </a:rPr>
                   <a:t> </a:t>
@@ -9086,11 +9290,6 @@
         </mc:Fallback>
       </mc:AlternateContent>
     </p:spTree>
-    <p:extLst>
-      <p:ext uri="{BB962C8B-B14F-4D97-AF65-F5344CB8AC3E}">
-        <p14:creationId xmlns:p14="http://schemas.microsoft.com/office/powerpoint/2010/main" val="299156029"/>
-      </p:ext>
-    </p:extLst>
   </p:cSld>
   <p:clrMapOvr>
     <a:masterClrMapping/>
@@ -9141,8 +9340,8 @@
           </a:p>
         </p:txBody>
       </p:sp>
-      <mc:AlternateContent xmlns:mc="http://schemas.openxmlformats.org/markup-compatibility/2006" xmlns:a14="http://schemas.microsoft.com/office/drawing/2010/main">
-        <mc:Choice Requires="a14">
+      <mc:AlternateContent xmlns:mc="http://schemas.openxmlformats.org/markup-compatibility/2006">
+        <mc:Choice xmlns:a14="http://schemas.microsoft.com/office/drawing/2010/main" Requires="a14">
           <p:sp>
             <p:nvSpPr>
               <p:cNvPr id="3" name="Content Placeholder 2"/>
@@ -9243,7 +9442,14 @@
                             <a:latin typeface="Cambria Math" panose="02040503050406030204" pitchFamily="18" charset="0"/>
                             <a:ea typeface="Cambria Math" panose="02040503050406030204" pitchFamily="18" charset="0"/>
                           </a:rPr>
-                          <m:t>−1</m:t>
+                          <m:t>−</m:t>
+                        </m:r>
+                        <m:r>
+                          <a:rPr lang="en-US" i="1">
+                            <a:latin typeface="Cambria Math" panose="02040503050406030204" pitchFamily="18" charset="0"/>
+                            <a:ea typeface="Cambria Math" panose="02040503050406030204" pitchFamily="18" charset="0"/>
+                          </a:rPr>
+                          <m:t>1</m:t>
                         </m:r>
                       </m:sup>
                     </m:sSup>
@@ -9351,7 +9557,19 @@
                                 <a:rPr lang="en-US" i="1">
                                   <a:latin typeface="Cambria Math" panose="02040503050406030204" pitchFamily="18" charset="0"/>
                                 </a:rPr>
-                                <m:t>9.0</m:t>
+                                <m:t>9</m:t>
+                              </m:r>
+                              <m:r>
+                                <a:rPr lang="en-US" i="1">
+                                  <a:latin typeface="Cambria Math" panose="02040503050406030204" pitchFamily="18" charset="0"/>
+                                </a:rPr>
+                                <m:t>.</m:t>
+                              </m:r>
+                              <m:r>
+                                <a:rPr lang="en-US" i="1">
+                                  <a:latin typeface="Cambria Math" panose="02040503050406030204" pitchFamily="18" charset="0"/>
+                                </a:rPr>
+                                <m:t>0</m:t>
                               </m:r>
                             </m:e>
                             <m:e>
@@ -9359,7 +9577,25 @@
                                 <a:rPr lang="en-US" i="1">
                                   <a:latin typeface="Cambria Math" panose="02040503050406030204" pitchFamily="18" charset="0"/>
                                 </a:rPr>
-                                <m:t>−21.0</m:t>
+                                <m:t>−</m:t>
+                              </m:r>
+                              <m:r>
+                                <a:rPr lang="en-US" i="1">
+                                  <a:latin typeface="Cambria Math" panose="02040503050406030204" pitchFamily="18" charset="0"/>
+                                </a:rPr>
+                                <m:t>21</m:t>
+                              </m:r>
+                              <m:r>
+                                <a:rPr lang="en-US" i="1">
+                                  <a:latin typeface="Cambria Math" panose="02040503050406030204" pitchFamily="18" charset="0"/>
+                                </a:rPr>
+                                <m:t>.</m:t>
+                              </m:r>
+                              <m:r>
+                                <a:rPr lang="en-US" i="1">
+                                  <a:latin typeface="Cambria Math" panose="02040503050406030204" pitchFamily="18" charset="0"/>
+                                </a:rPr>
+                                <m:t>0</m:t>
                               </m:r>
                             </m:e>
                             <m:e>
@@ -9367,7 +9603,19 @@
                                 <a:rPr lang="en-US" i="1">
                                   <a:latin typeface="Cambria Math" panose="02040503050406030204" pitchFamily="18" charset="0"/>
                                 </a:rPr>
-                                <m:t>5.0</m:t>
+                                <m:t>5</m:t>
+                              </m:r>
+                              <m:r>
+                                <a:rPr lang="en-US" i="1">
+                                  <a:latin typeface="Cambria Math" panose="02040503050406030204" pitchFamily="18" charset="0"/>
+                                </a:rPr>
+                                <m:t>.</m:t>
+                              </m:r>
+                              <m:r>
+                                <a:rPr lang="en-US" i="1">
+                                  <a:latin typeface="Cambria Math" panose="02040503050406030204" pitchFamily="18" charset="0"/>
+                                </a:rPr>
+                                <m:t>0</m:t>
                               </m:r>
                             </m:e>
                           </m:mr>
@@ -9377,7 +9625,25 @@
                                 <a:rPr lang="en-US" i="1">
                                   <a:latin typeface="Cambria Math" panose="02040503050406030204" pitchFamily="18" charset="0"/>
                                 </a:rPr>
-                                <m:t>−21.0</m:t>
+                                <m:t>−</m:t>
+                              </m:r>
+                              <m:r>
+                                <a:rPr lang="en-US" i="1">
+                                  <a:latin typeface="Cambria Math" panose="02040503050406030204" pitchFamily="18" charset="0"/>
+                                </a:rPr>
+                                <m:t>21</m:t>
+                              </m:r>
+                              <m:r>
+                                <a:rPr lang="en-US" i="1">
+                                  <a:latin typeface="Cambria Math" panose="02040503050406030204" pitchFamily="18" charset="0"/>
+                                </a:rPr>
+                                <m:t>.</m:t>
+                              </m:r>
+                              <m:r>
+                                <a:rPr lang="en-US" i="1">
+                                  <a:latin typeface="Cambria Math" panose="02040503050406030204" pitchFamily="18" charset="0"/>
+                                </a:rPr>
+                                <m:t>0</m:t>
                               </m:r>
                             </m:e>
                             <m:e>
@@ -9385,7 +9651,19 @@
                                 <a:rPr lang="en-US" i="1">
                                   <a:latin typeface="Cambria Math" panose="02040503050406030204" pitchFamily="18" charset="0"/>
                                 </a:rPr>
-                                <m:t>24.5</m:t>
+                                <m:t>24</m:t>
+                              </m:r>
+                              <m:r>
+                                <a:rPr lang="en-US" i="1">
+                                  <a:latin typeface="Cambria Math" panose="02040503050406030204" pitchFamily="18" charset="0"/>
+                                </a:rPr>
+                                <m:t>.</m:t>
+                              </m:r>
+                              <m:r>
+                                <a:rPr lang="en-US" i="1">
+                                  <a:latin typeface="Cambria Math" panose="02040503050406030204" pitchFamily="18" charset="0"/>
+                                </a:rPr>
+                                <m:t>5</m:t>
                               </m:r>
                             </m:e>
                             <m:e>
@@ -9393,7 +9671,25 @@
                                 <a:rPr lang="en-US" i="1">
                                   <a:latin typeface="Cambria Math" panose="02040503050406030204" pitchFamily="18" charset="0"/>
                                 </a:rPr>
-                                <m:t>−6.0</m:t>
+                                <m:t>−</m:t>
+                              </m:r>
+                              <m:r>
+                                <a:rPr lang="en-US" i="1">
+                                  <a:latin typeface="Cambria Math" panose="02040503050406030204" pitchFamily="18" charset="0"/>
+                                </a:rPr>
+                                <m:t>6</m:t>
+                              </m:r>
+                              <m:r>
+                                <a:rPr lang="en-US" i="1">
+                                  <a:latin typeface="Cambria Math" panose="02040503050406030204" pitchFamily="18" charset="0"/>
+                                </a:rPr>
+                                <m:t>.</m:t>
+                              </m:r>
+                              <m:r>
+                                <a:rPr lang="en-US" i="1">
+                                  <a:latin typeface="Cambria Math" panose="02040503050406030204" pitchFamily="18" charset="0"/>
+                                </a:rPr>
+                                <m:t>0</m:t>
                               </m:r>
                             </m:e>
                           </m:mr>
@@ -9403,7 +9699,19 @@
                                 <a:rPr lang="en-US" i="1">
                                   <a:latin typeface="Cambria Math" panose="02040503050406030204" pitchFamily="18" charset="0"/>
                                 </a:rPr>
-                                <m:t>5.0</m:t>
+                                <m:t>5</m:t>
+                              </m:r>
+                              <m:r>
+                                <a:rPr lang="en-US" i="1">
+                                  <a:latin typeface="Cambria Math" panose="02040503050406030204" pitchFamily="18" charset="0"/>
+                                </a:rPr>
+                                <m:t>.</m:t>
+                              </m:r>
+                              <m:r>
+                                <a:rPr lang="en-US" i="1">
+                                  <a:latin typeface="Cambria Math" panose="02040503050406030204" pitchFamily="18" charset="0"/>
+                                </a:rPr>
+                                <m:t>0</m:t>
                               </m:r>
                             </m:e>
                             <m:e>
@@ -9411,7 +9719,25 @@
                                 <a:rPr lang="en-US" i="1">
                                   <a:latin typeface="Cambria Math" panose="02040503050406030204" pitchFamily="18" charset="0"/>
                                 </a:rPr>
-                                <m:t>−6.0</m:t>
+                                <m:t>−</m:t>
+                              </m:r>
+                              <m:r>
+                                <a:rPr lang="en-US" i="1">
+                                  <a:latin typeface="Cambria Math" panose="02040503050406030204" pitchFamily="18" charset="0"/>
+                                </a:rPr>
+                                <m:t>6</m:t>
+                              </m:r>
+                              <m:r>
+                                <a:rPr lang="en-US" i="1">
+                                  <a:latin typeface="Cambria Math" panose="02040503050406030204" pitchFamily="18" charset="0"/>
+                                </a:rPr>
+                                <m:t>.</m:t>
+                              </m:r>
+                              <m:r>
+                                <a:rPr lang="en-US" i="1">
+                                  <a:latin typeface="Cambria Math" panose="02040503050406030204" pitchFamily="18" charset="0"/>
+                                </a:rPr>
+                                <m:t>0</m:t>
                               </m:r>
                             </m:e>
                             <m:e>
@@ -9419,7 +9745,19 @@
                                 <a:rPr lang="en-US" i="1">
                                   <a:latin typeface="Cambria Math" panose="02040503050406030204" pitchFamily="18" charset="0"/>
                                 </a:rPr>
-                                <m:t>1.5</m:t>
+                                <m:t>1</m:t>
+                              </m:r>
+                              <m:r>
+                                <a:rPr lang="en-US" i="1">
+                                  <a:latin typeface="Cambria Math" panose="02040503050406030204" pitchFamily="18" charset="0"/>
+                                </a:rPr>
+                                <m:t>.</m:t>
+                              </m:r>
+                              <m:r>
+                                <a:rPr lang="en-US" i="1">
+                                  <a:latin typeface="Cambria Math" panose="02040503050406030204" pitchFamily="18" charset="0"/>
+                                </a:rPr>
+                                <m:t>5</m:t>
                               </m:r>
                             </m:e>
                           </m:mr>
@@ -9572,6 +9910,7 @@
                   <a:rPr lang="en-IN" dirty="0" smtClean="0"/>
                   <a:t> </a:t>
                 </a:r>
+                <a:endParaRPr lang="en-IN" dirty="0" smtClean="0"/>
               </a:p>
               <a:p>
                 <a:endParaRPr lang="en-US" dirty="0"/>
@@ -9640,22 +9979,22 @@
             </p:txBody>
           </p:sp>
         </mc:Choice>
-        <mc:Fallback xmlns="">
+        <mc:Fallback>
           <p:sp>
             <p:nvSpPr>
               <p:cNvPr id="3" name="Content Placeholder 2"/>
               <p:cNvSpPr>
-                <a:spLocks noGrp="1" noRot="1" noChangeAspect="1" noMove="1" noResize="1" noEditPoints="1" noAdjustHandles="1" noChangeArrowheads="1" noChangeShapeType="1" noTextEdit="1"/>
+                <a:spLocks noRot="1" noChangeAspect="1" noMove="1" noResize="1" noEditPoints="1" noAdjustHandles="1" noChangeArrowheads="1" noChangeShapeType="1" noTextEdit="1"/>
               </p:cNvSpPr>
               <p:nvPr>
                 <p:ph idx="1"/>
               </p:nvPr>
             </p:nvSpPr>
             <p:spPr>
-              <a:blipFill rotWithShape="0">
-                <a:blip r:embed="rId2"/>
+              <a:blipFill rotWithShape="1">
+                <a:blip r:embed="rId1"/>
                 <a:stretch>
-                  <a:fillRect l="-1217" t="-560"/>
+                  <a:fillRect b="7"/>
                 </a:stretch>
               </a:blipFill>
             </p:spPr>
@@ -9664,7 +10003,7 @@
               <a:lstStyle/>
               <a:p>
                 <a:r>
-                  <a:rPr lang="en-IN">
+                  <a:rPr lang="en-US" altLang="en-US">
                     <a:noFill/>
                   </a:rPr>
                   <a:t> </a:t>
@@ -9675,11 +10014,6 @@
         </mc:Fallback>
       </mc:AlternateContent>
     </p:spTree>
-    <p:extLst>
-      <p:ext uri="{BB962C8B-B14F-4D97-AF65-F5344CB8AC3E}">
-        <p14:creationId xmlns:p14="http://schemas.microsoft.com/office/powerpoint/2010/main" val="1837411354"/>
-      </p:ext>
-    </p:extLst>
   </p:cSld>
   <p:clrMapOvr>
     <a:masterClrMapping/>
@@ -9752,6 +10086,10 @@
               </a:rPr>
               <a:t>Example 2: </a:t>
             </a:r>
+            <a:endParaRPr lang="en-US" b="1" dirty="0" smtClean="0">
+              <a:latin typeface="Times New Roman" panose="02020603050405020304" pitchFamily="18" charset="0"/>
+              <a:cs typeface="Times New Roman" panose="02020603050405020304" pitchFamily="18" charset="0"/>
+            </a:endParaRPr>
           </a:p>
           <a:p>
             <a:pPr marL="0" indent="0">
@@ -9764,6 +10102,10 @@
               </a:rPr>
               <a:t>Find the quadratic polynomial linear regression model to fit the data points : </a:t>
             </a:r>
+            <a:endParaRPr lang="en-US" dirty="0">
+              <a:latin typeface="Times New Roman" panose="02020603050405020304" pitchFamily="18" charset="0"/>
+              <a:cs typeface="Times New Roman" panose="02020603050405020304" pitchFamily="18" charset="0"/>
+            </a:endParaRPr>
           </a:p>
           <a:p>
             <a:pPr marL="0" indent="0">
@@ -9844,6 +10186,7 @@
               <a:rPr lang="en-US" dirty="0" smtClean="0"/>
               <a:t>Answer: </a:t>
             </a:r>
+            <a:endParaRPr lang="en-US" dirty="0" smtClean="0"/>
           </a:p>
           <a:p>
             <a:pPr marL="0" indent="0">
@@ -9875,11 +10218,6 @@
         </p:txBody>
       </p:sp>
     </p:spTree>
-    <p:extLst>
-      <p:ext uri="{BB962C8B-B14F-4D97-AF65-F5344CB8AC3E}">
-        <p14:creationId xmlns:p14="http://schemas.microsoft.com/office/powerpoint/2010/main" val="1466306831"/>
-      </p:ext>
-    </p:extLst>
   </p:cSld>
   <p:clrMapOvr>
     <a:masterClrMapping/>
@@ -9938,10 +10276,6 @@
             <a:br>
               <a:rPr lang="en-US" dirty="0" smtClean="0"/>
             </a:br>
-            <a:r>
-              <a:rPr lang="en-US" dirty="0" smtClean="0"/>
-              <a:t/>
-            </a:r>
             <a:br>
               <a:rPr lang="en-US" dirty="0" smtClean="0"/>
             </a:br>
@@ -9958,7 +10292,7 @@
           <p:nvPr/>
         </p:nvPicPr>
         <p:blipFill>
-          <a:blip r:embed="rId2"/>
+          <a:blip r:embed="rId1"/>
           <a:stretch>
             <a:fillRect/>
           </a:stretch>
@@ -9974,11 +10308,6 @@
         </p:spPr>
       </p:pic>
     </p:spTree>
-    <p:extLst>
-      <p:ext uri="{BB962C8B-B14F-4D97-AF65-F5344CB8AC3E}">
-        <p14:creationId xmlns:p14="http://schemas.microsoft.com/office/powerpoint/2010/main" val="2200322576"/>
-      </p:ext>
-    </p:extLst>
   </p:cSld>
   <p:clrMapOvr>
     <a:masterClrMapping/>
@@ -10054,6 +10383,10 @@
               </a:rPr>
               <a:t>Mathematical representation of different regression model. </a:t>
             </a:r>
+            <a:endParaRPr lang="en-US" dirty="0" smtClean="0">
+              <a:latin typeface="Times New Roman" panose="02020603050405020304" pitchFamily="18" charset="0"/>
+              <a:cs typeface="Times New Roman" panose="02020603050405020304" pitchFamily="18" charset="0"/>
+            </a:endParaRPr>
           </a:p>
           <a:p>
             <a:pPr algn="just"/>
@@ -10106,6 +10439,10 @@
               </a:rPr>
               <a:t>In polynomial regression same variable x1 raised to different powers.</a:t>
             </a:r>
+            <a:endParaRPr lang="en-US" dirty="0" smtClean="0">
+              <a:latin typeface="Times New Roman" panose="02020603050405020304" pitchFamily="18" charset="0"/>
+              <a:cs typeface="Times New Roman" panose="02020603050405020304" pitchFamily="18" charset="0"/>
+            </a:endParaRPr>
           </a:p>
           <a:p>
             <a:pPr algn="just"/>
@@ -10158,6 +10495,10 @@
               </a:rPr>
               <a:t>, ..) all the linear powers.</a:t>
             </a:r>
+            <a:endParaRPr lang="en-US" dirty="0" smtClean="0">
+              <a:latin typeface="Times New Roman" panose="02020603050405020304" pitchFamily="18" charset="0"/>
+              <a:cs typeface="Times New Roman" panose="02020603050405020304" pitchFamily="18" charset="0"/>
+            </a:endParaRPr>
           </a:p>
           <a:p>
             <a:pPr marL="0" indent="0" algn="just">
@@ -10192,7 +10533,7 @@
           <p:nvPr/>
         </p:nvPicPr>
         <p:blipFill>
-          <a:blip r:embed="rId2"/>
+          <a:blip r:embed="rId1"/>
           <a:stretch>
             <a:fillRect/>
           </a:stretch>
@@ -10208,11 +10549,6 @@
         </p:spPr>
       </p:pic>
     </p:spTree>
-    <p:extLst>
-      <p:ext uri="{BB962C8B-B14F-4D97-AF65-F5344CB8AC3E}">
-        <p14:creationId xmlns:p14="http://schemas.microsoft.com/office/powerpoint/2010/main" val="969960039"/>
-      </p:ext>
-    </p:extLst>
   </p:cSld>
   <p:clrMapOvr>
     <a:masterClrMapping/>
@@ -10271,6 +10607,10 @@
               </a:rPr>
               <a:t>In polynomial regression, the relationship between the dependent variable (y) and independent variable (x) is described using a polynomial of n degree. </a:t>
             </a:r>
+            <a:endParaRPr lang="en-US" dirty="0" smtClean="0">
+              <a:latin typeface="Times New Roman" panose="02020603050405020304" pitchFamily="18" charset="0"/>
+              <a:cs typeface="Times New Roman" panose="02020603050405020304" pitchFamily="18" charset="0"/>
+            </a:endParaRPr>
           </a:p>
           <a:p>
             <a:endParaRPr lang="en-US" dirty="0">
@@ -10313,6 +10653,10 @@
               </a:rPr>
               <a:t>Why is it called linear? </a:t>
             </a:r>
+            <a:endParaRPr lang="en-US" b="1" dirty="0" smtClean="0">
+              <a:latin typeface="Times New Roman" panose="02020603050405020304" pitchFamily="18" charset="0"/>
+              <a:cs typeface="Times New Roman" panose="02020603050405020304" pitchFamily="18" charset="0"/>
+            </a:endParaRPr>
           </a:p>
           <a:p>
             <a:pPr marL="0" indent="0">
@@ -10381,11 +10725,6 @@
         </p:txBody>
       </p:sp>
     </p:spTree>
-    <p:extLst>
-      <p:ext uri="{BB962C8B-B14F-4D97-AF65-F5344CB8AC3E}">
-        <p14:creationId xmlns:p14="http://schemas.microsoft.com/office/powerpoint/2010/main" val="362036343"/>
-      </p:ext>
-    </p:extLst>
   </p:cSld>
   <p:clrMapOvr>
     <a:masterClrMapping/>
@@ -10444,6 +10783,10 @@
               </a:rPr>
               <a:t>Case Study of Rank-Salary </a:t>
             </a:r>
+            <a:endParaRPr lang="en-US" dirty="0" smtClean="0">
+              <a:latin typeface="Times New Roman" panose="02020603050405020304" pitchFamily="18" charset="0"/>
+              <a:cs typeface="Times New Roman" panose="02020603050405020304" pitchFamily="18" charset="0"/>
+            </a:endParaRPr>
           </a:p>
           <a:p>
             <a:pPr marL="0" indent="0">
@@ -10456,6 +10799,10 @@
               </a:rPr>
               <a:t>Inputs:</a:t>
             </a:r>
+            <a:endParaRPr lang="en-US" b="1" dirty="0" smtClean="0">
+              <a:latin typeface="Times New Roman" panose="02020603050405020304" pitchFamily="18" charset="0"/>
+              <a:cs typeface="Times New Roman" panose="02020603050405020304" pitchFamily="18" charset="0"/>
+            </a:endParaRPr>
           </a:p>
           <a:p>
             <a:pPr marL="0" indent="0">
@@ -10481,6 +10828,10 @@
               </a:rPr>
               <a:t>Level is from 1 (min) to 10 (max)</a:t>
             </a:r>
+            <a:endParaRPr lang="en-US" dirty="0" smtClean="0">
+              <a:latin typeface="Times New Roman" panose="02020603050405020304" pitchFamily="18" charset="0"/>
+              <a:cs typeface="Times New Roman" panose="02020603050405020304" pitchFamily="18" charset="0"/>
+            </a:endParaRPr>
           </a:p>
           <a:p>
             <a:pPr marL="0" indent="0">
@@ -10493,6 +10844,10 @@
               </a:rPr>
               <a:t>Output: </a:t>
             </a:r>
+            <a:endParaRPr lang="en-US" b="1" dirty="0" smtClean="0">
+              <a:latin typeface="Times New Roman" panose="02020603050405020304" pitchFamily="18" charset="0"/>
+              <a:cs typeface="Times New Roman" panose="02020603050405020304" pitchFamily="18" charset="0"/>
+            </a:endParaRPr>
           </a:p>
           <a:p>
             <a:pPr marL="0" indent="0">
@@ -10511,13 +10866,6 @@
                 <a:cs typeface="Times New Roman" panose="02020603050405020304" pitchFamily="18" charset="0"/>
               </a:rPr>
             </a:br>
-            <a:r>
-              <a:rPr lang="en-US" dirty="0" smtClean="0">
-                <a:latin typeface="Times New Roman" panose="02020603050405020304" pitchFamily="18" charset="0"/>
-                <a:cs typeface="Times New Roman" panose="02020603050405020304" pitchFamily="18" charset="0"/>
-              </a:rPr>
-              <a:t/>
-            </a:r>
             <a:br>
               <a:rPr lang="en-US" dirty="0" smtClean="0">
                 <a:latin typeface="Times New Roman" panose="02020603050405020304" pitchFamily="18" charset="0"/>
@@ -10531,6 +10879,10 @@
               </a:rPr>
               <a:t>This is a regression problem because </a:t>
             </a:r>
+            <a:endParaRPr lang="en-US" dirty="0" smtClean="0">
+              <a:latin typeface="Times New Roman" panose="02020603050405020304" pitchFamily="18" charset="0"/>
+              <a:cs typeface="Times New Roman" panose="02020603050405020304" pitchFamily="18" charset="0"/>
+            </a:endParaRPr>
           </a:p>
           <a:p>
             <a:pPr marL="0" indent="0">
@@ -10542,10 +10894,6 @@
                 <a:cs typeface="Times New Roman" panose="02020603050405020304" pitchFamily="18" charset="0"/>
               </a:rPr>
               <a:t>the model has to predict salary value.</a:t>
-            </a:r>
-            <a:r>
-              <a:rPr lang="en-US" dirty="0" smtClean="0"/>
-              <a:t/>
             </a:r>
             <a:br>
               <a:rPr lang="en-US" dirty="0" smtClean="0"/>
@@ -10569,7 +10917,7 @@
           <p:nvPr/>
         </p:nvPicPr>
         <p:blipFill>
-          <a:blip r:embed="rId2"/>
+          <a:blip r:embed="rId1"/>
           <a:stretch>
             <a:fillRect/>
           </a:stretch>
@@ -10585,11 +10933,6 @@
         </p:spPr>
       </p:pic>
     </p:spTree>
-    <p:extLst>
-      <p:ext uri="{BB962C8B-B14F-4D97-AF65-F5344CB8AC3E}">
-        <p14:creationId xmlns:p14="http://schemas.microsoft.com/office/powerpoint/2010/main" val="1485294351"/>
-      </p:ext>
-    </p:extLst>
   </p:cSld>
   <p:clrMapOvr>
     <a:masterClrMapping/>
@@ -10665,6 +11008,7 @@
               <a:rPr lang="en-IN" dirty="0" smtClean="0"/>
               <a:t>data.</a:t>
             </a:r>
+            <a:endParaRPr lang="en-IN" dirty="0" smtClean="0"/>
           </a:p>
           <a:p>
             <a:r>
@@ -10687,7 +11031,7 @@
           <p:nvPr/>
         </p:nvPicPr>
         <p:blipFill>
-          <a:blip r:embed="rId2"/>
+          <a:blip r:embed="rId1"/>
           <a:stretch>
             <a:fillRect/>
           </a:stretch>
@@ -10703,11 +11047,6 @@
         </p:spPr>
       </p:pic>
     </p:spTree>
-    <p:extLst>
-      <p:ext uri="{BB962C8B-B14F-4D97-AF65-F5344CB8AC3E}">
-        <p14:creationId xmlns:p14="http://schemas.microsoft.com/office/powerpoint/2010/main" val="10108940"/>
-      </p:ext>
-    </p:extLst>
   </p:cSld>
   <p:clrMapOvr>
     <a:masterClrMapping/>
@@ -10747,11 +11086,6 @@
           </p:cNvGraphicFramePr>
           <p:nvPr>
             <p:ph idx="1"/>
-            <p:extLst>
-              <p:ext uri="{D42A27DB-BD31-4B8C-83A1-F6EECF244321}">
-                <p14:modId xmlns:p14="http://schemas.microsoft.com/office/powerpoint/2010/main" val="671859672"/>
-              </p:ext>
-            </p:extLst>
           </p:nvPr>
         </p:nvGraphicFramePr>
         <p:xfrm>
@@ -10765,20 +11099,8 @@
                 <a:tableStyleId>{073A0DAA-6AF3-43AB-8588-CEC1D06C72B9}</a:tableStyleId>
               </a:tblPr>
               <a:tblGrid>
-                <a:gridCol w="5257800">
-                  <a:extLst>
-                    <a:ext uri="{9D8B030D-6E8A-4147-A177-3AD203B41FA5}">
-                      <a16:colId xmlns:a16="http://schemas.microsoft.com/office/drawing/2014/main" val="20000"/>
-                    </a:ext>
-                  </a:extLst>
-                </a:gridCol>
-                <a:gridCol w="5257800">
-                  <a:extLst>
-                    <a:ext uri="{9D8B030D-6E8A-4147-A177-3AD203B41FA5}">
-                      <a16:colId xmlns:a16="http://schemas.microsoft.com/office/drawing/2014/main" val="20001"/>
-                    </a:ext>
-                  </a:extLst>
-                </a:gridCol>
+                <a:gridCol w="5257800"/>
+                <a:gridCol w="5257800"/>
               </a:tblGrid>
               <a:tr h="370840">
                 <a:tc>
@@ -10901,11 +11223,6 @@
                     </a:lnBlToTr>
                   </a:tcPr>
                 </a:tc>
-                <a:extLst>
-                  <a:ext uri="{0D108BD9-81ED-4DB2-BD59-A6C34878D82A}">
-                    <a16:rowId xmlns:a16="http://schemas.microsoft.com/office/drawing/2014/main" val="10000"/>
-                  </a:ext>
-                </a:extLst>
               </a:tr>
             </a:tbl>
           </a:graphicData>
@@ -10920,7 +11237,7 @@
           <p:nvPr/>
         </p:nvPicPr>
         <p:blipFill>
-          <a:blip r:embed="rId2"/>
+          <a:blip r:embed="rId1"/>
           <a:stretch>
             <a:fillRect/>
           </a:stretch>
@@ -10944,7 +11261,7 @@
           <p:nvPr/>
         </p:nvPicPr>
         <p:blipFill>
-          <a:blip r:embed="rId3"/>
+          <a:blip r:embed="rId2"/>
           <a:stretch>
             <a:fillRect/>
           </a:stretch>
@@ -10960,11 +11277,6 @@
         </p:spPr>
       </p:pic>
     </p:spTree>
-    <p:extLst>
-      <p:ext uri="{BB962C8B-B14F-4D97-AF65-F5344CB8AC3E}">
-        <p14:creationId xmlns:p14="http://schemas.microsoft.com/office/powerpoint/2010/main" val="344185869"/>
-      </p:ext>
-    </p:extLst>
   </p:cSld>
   <p:clrMapOvr>
     <a:masterClrMapping/>
@@ -11020,12 +11332,14 @@
               <a:rPr lang="en-US" dirty="0" smtClean="0"/>
               <a:t>In polynomial linear regression, the degree of independent variable plays an important role in the accuracy of prediction. </a:t>
             </a:r>
+            <a:endParaRPr lang="en-US" dirty="0" smtClean="0"/>
           </a:p>
           <a:p>
             <a:r>
               <a:rPr lang="en-US" dirty="0" smtClean="0"/>
               <a:t>We can increase the degree to get the best fit model.</a:t>
             </a:r>
+            <a:endParaRPr lang="en-US" dirty="0" smtClean="0"/>
           </a:p>
           <a:p>
             <a:pPr marL="0" indent="0">
@@ -11041,6 +11355,7 @@
               <a:rPr lang="en-US" sz="1800" b="1" dirty="0" smtClean="0"/>
               <a:t>Effect of degree on polynomial equation</a:t>
             </a:r>
+            <a:endParaRPr lang="en-US" sz="1800" b="1" dirty="0" smtClean="0"/>
           </a:p>
         </p:txBody>
       </p:sp>
@@ -11053,7 +11368,7 @@
           <p:nvPr/>
         </p:nvPicPr>
         <p:blipFill>
-          <a:blip r:embed="rId2"/>
+          <a:blip r:embed="rId1"/>
           <a:stretch>
             <a:fillRect/>
           </a:stretch>
@@ -11069,11 +11384,6 @@
         </p:spPr>
       </p:pic>
     </p:spTree>
-    <p:extLst>
-      <p:ext uri="{BB962C8B-B14F-4D97-AF65-F5344CB8AC3E}">
-        <p14:creationId xmlns:p14="http://schemas.microsoft.com/office/powerpoint/2010/main" val="3655037220"/>
-      </p:ext>
-    </p:extLst>
   </p:cSld>
   <p:clrMapOvr>
     <a:masterClrMapping/>
@@ -11131,7 +11441,7 @@
     </a:clrScheme>
     <a:fontScheme name="Office">
       <a:majorFont>
-        <a:latin typeface="Calibri Light" panose="020F0302020204030204"/>
+        <a:latin typeface="Calibri Light"/>
         <a:ea typeface=""/>
         <a:cs typeface=""/>
         <a:font script="Jpan" typeface="ＭＳ Ｐゴシック"/>
@@ -11166,7 +11476,7 @@
         <a:font script="Geor" typeface="Sylfaen"/>
       </a:majorFont>
       <a:minorFont>
-        <a:latin typeface="Calibri" panose="020F0502020204030204"/>
+        <a:latin typeface="Calibri"/>
         <a:ea typeface=""/>
         <a:cs typeface=""/>
         <a:font script="Jpan" typeface="ＭＳ Ｐゴシック"/>
@@ -11339,8 +11649,6 @@
       </a:bgFillStyleLst>
     </a:fmtScheme>
   </a:themeElements>
-  <a:objectDefaults/>
-  <a:extraClrSchemeLst/>
   <a:extLst>
     <a:ext uri="{05A4C25C-085E-4340-85A3-A5531E510DB2}">
       <thm15:themeFamily xmlns:thm15="http://schemas.microsoft.com/office/thememl/2012/main" name="Office Theme" id="{62F939B6-93AF-4DB8-9C6B-D6C7DFDC589F}" vid="{4A3C46E8-61CC-4603-A589-7422A47A8E4A}"/>
